--- a/ppt/Exposició.pptx
+++ b/ppt/Exposició.pptx
@@ -5,21 +5,22 @@
     <p:sldMasterId id="2147483648" r:id="rId1"/>
   </p:sldMasterIdLst>
   <p:notesMasterIdLst>
-    <p:notesMasterId r:id="rId11"/>
+    <p:notesMasterId r:id="rId12"/>
   </p:notesMasterIdLst>
   <p:handoutMasterIdLst>
-    <p:handoutMasterId r:id="rId12"/>
+    <p:handoutMasterId r:id="rId13"/>
   </p:handoutMasterIdLst>
   <p:sldIdLst>
     <p:sldId id="256" r:id="rId2"/>
     <p:sldId id="258" r:id="rId3"/>
     <p:sldId id="259" r:id="rId4"/>
-    <p:sldId id="260" r:id="rId5"/>
-    <p:sldId id="261" r:id="rId6"/>
-    <p:sldId id="262" r:id="rId7"/>
-    <p:sldId id="263" r:id="rId8"/>
-    <p:sldId id="264" r:id="rId9"/>
-    <p:sldId id="265" r:id="rId10"/>
+    <p:sldId id="266" r:id="rId5"/>
+    <p:sldId id="260" r:id="rId6"/>
+    <p:sldId id="267" r:id="rId7"/>
+    <p:sldId id="261" r:id="rId8"/>
+    <p:sldId id="262" r:id="rId9"/>
+    <p:sldId id="263" r:id="rId10"/>
+    <p:sldId id="265" r:id="rId11"/>
   </p:sldIdLst>
   <p:sldSz cx="12192000" cy="6858000"/>
   <p:notesSz cx="6858000" cy="9144000"/>
@@ -118,6 +119,14 @@
       </a:defRPr>
     </a:lvl9pPr>
   </p:defaultTextStyle>
+  <p:extLst>
+    <p:ext uri="{EFAFB233-063F-42B5-8137-9DF3F51BA10A}">
+      <p15:sldGuideLst xmlns:p15="http://schemas.microsoft.com/office/powerpoint/2012/main"/>
+    </p:ext>
+    <p:ext uri="{2D200454-40CA-4A62-9FC3-DE9A4176ACB9}">
+      <p15:notesGuideLst xmlns:p15="http://schemas.microsoft.com/office/powerpoint/2012/main"/>
+    </p:ext>
+  </p:extLst>
 </p:presentation>
 </file>
 
@@ -203,7 +212,7 @@
           <a:p>
             <a:fld id="{20DEE26C-67C2-4F2A-AD0D-43A25D117276}" type="datetimeFigureOut">
               <a:rPr lang="en-GB" smtClean="0"/>
-              <a:t>24/05/2018</a:t>
+              <a:t>25/05/2018</a:t>
             </a:fld>
             <a:endParaRPr lang="en-GB"/>
           </a:p>
@@ -269,7 +278,7 @@
           <a:p>
             <a:fld id="{51495077-BF1D-4EBE-8599-786AEE127F2C}" type="slidenum">
               <a:rPr lang="en-GB" smtClean="0"/>
-              <a:t>‹Nº›</a:t>
+              <a:t>‹#›</a:t>
             </a:fld>
             <a:endParaRPr lang="en-GB"/>
           </a:p>
@@ -368,7 +377,7 @@
           <a:p>
             <a:fld id="{9C0BD316-3971-473B-973D-CC7545F66580}" type="datetimeFigureOut">
               <a:rPr lang="en-GB" smtClean="0"/>
-              <a:t>24/05/2018</a:t>
+              <a:t>25/05/2018</a:t>
             </a:fld>
             <a:endParaRPr lang="en-GB"/>
           </a:p>
@@ -527,7 +536,7 @@
           <a:p>
             <a:fld id="{B12494AD-35E3-4466-BE28-33F71F724176}" type="slidenum">
               <a:rPr lang="en-GB" smtClean="0"/>
-              <a:t>‹Nº›</a:t>
+              <a:t>‹#›</a:t>
             </a:fld>
             <a:endParaRPr lang="en-GB"/>
           </a:p>
@@ -923,7 +932,7 @@
           <a:p>
             <a:fld id="{8044885B-ABF4-4D41-9EE3-E56CBD3E4B89}" type="datetime1">
               <a:rPr lang="en-US" smtClean="0"/>
-              <a:t>5/24/2018</a:t>
+              <a:t>5/25/2018</a:t>
             </a:fld>
             <a:endParaRPr lang="en-US" dirty="0"/>
           </a:p>
@@ -966,7 +975,7 @@
             <a:fld id="{D57F1E4F-1CFF-5643-939E-217C01CDF565}" type="slidenum">
               <a:rPr lang="en-US" dirty="0"/>
               <a:pPr/>
-              <a:t>‹Nº›</a:t>
+              <a:t>‹#›</a:t>
             </a:fld>
             <a:endParaRPr lang="en-US" dirty="0"/>
           </a:p>
@@ -1244,7 +1253,7 @@
           <a:p>
             <a:fld id="{444F886E-F321-4DB6-B24B-EAE3FF195B44}" type="datetime1">
               <a:rPr lang="en-US" smtClean="0"/>
-              <a:t>5/24/2018</a:t>
+              <a:t>5/25/2018</a:t>
             </a:fld>
             <a:endParaRPr lang="en-US" dirty="0"/>
           </a:p>
@@ -1287,7 +1296,7 @@
             <a:fld id="{D57F1E4F-1CFF-5643-939E-217C01CDF565}" type="slidenum">
               <a:rPr lang="en-US" dirty="0"/>
               <a:pPr/>
-              <a:t>‹Nº›</a:t>
+              <a:t>‹#›</a:t>
             </a:fld>
             <a:endParaRPr lang="en-US" dirty="0"/>
           </a:p>
@@ -1728,7 +1737,7 @@
           <a:p>
             <a:fld id="{1815061C-49C1-4650-887A-7E5400F6FBCD}" type="datetime1">
               <a:rPr lang="en-US" smtClean="0"/>
-              <a:t>5/24/2018</a:t>
+              <a:t>5/25/2018</a:t>
             </a:fld>
             <a:endParaRPr lang="en-US" dirty="0"/>
           </a:p>
@@ -1771,7 +1780,7 @@
             <a:fld id="{D57F1E4F-1CFF-5643-939E-217C01CDF565}" type="slidenum">
               <a:rPr lang="en-US" dirty="0"/>
               <a:pPr/>
-              <a:t>‹Nº›</a:t>
+              <a:t>‹#›</a:t>
             </a:fld>
             <a:endParaRPr lang="en-US" dirty="0"/>
           </a:p>
@@ -2093,7 +2102,7 @@
           <a:p>
             <a:fld id="{C5AFEF88-0FA3-482F-B1D7-E34C31F51025}" type="datetime1">
               <a:rPr lang="en-US" smtClean="0"/>
-              <a:t>5/24/2018</a:t>
+              <a:t>5/25/2018</a:t>
             </a:fld>
             <a:endParaRPr lang="en-US" dirty="0"/>
           </a:p>
@@ -2136,7 +2145,7 @@
             <a:fld id="{D57F1E4F-1CFF-5643-939E-217C01CDF565}" type="slidenum">
               <a:rPr lang="en-US" dirty="0"/>
               <a:pPr/>
-              <a:t>‹Nº›</a:t>
+              <a:t>‹#›</a:t>
             </a:fld>
             <a:endParaRPr lang="en-US" dirty="0"/>
           </a:p>
@@ -2362,7 +2371,7 @@
           <a:p>
             <a:fld id="{05A9A121-9473-4A6B-B710-B3749F8CC0E6}" type="datetime1">
               <a:rPr lang="en-US" smtClean="0"/>
-              <a:t>5/24/2018</a:t>
+              <a:t>5/25/2018</a:t>
             </a:fld>
             <a:endParaRPr lang="en-US" dirty="0"/>
           </a:p>
@@ -2405,7 +2414,7 @@
             <a:fld id="{D57F1E4F-1CFF-5643-939E-217C01CDF565}" type="slidenum">
               <a:rPr lang="en-US" dirty="0"/>
               <a:pPr/>
-              <a:t>‹Nº›</a:t>
+              <a:t>‹#›</a:t>
             </a:fld>
             <a:endParaRPr lang="en-US" dirty="0"/>
           </a:p>
@@ -2643,7 +2652,7 @@
           <a:p>
             <a:fld id="{1BA0415D-AB34-4425-ACAF-D6573F0FF714}" type="datetime1">
               <a:rPr lang="en-US" smtClean="0"/>
-              <a:t>5/24/2018</a:t>
+              <a:t>5/25/2018</a:t>
             </a:fld>
             <a:endParaRPr lang="en-US" dirty="0"/>
           </a:p>
@@ -2686,7 +2695,7 @@
             <a:fld id="{D57F1E4F-1CFF-5643-939E-217C01CDF565}" type="slidenum">
               <a:rPr lang="en-US" dirty="0"/>
               <a:pPr/>
-              <a:t>‹Nº›</a:t>
+              <a:t>‹#›</a:t>
             </a:fld>
             <a:endParaRPr lang="en-US" dirty="0"/>
           </a:p>
@@ -2894,7 +2903,7 @@
           <a:p>
             <a:fld id="{33610EB4-F80E-4100-8550-DB9D734BBCAC}" type="datetime1">
               <a:rPr lang="en-US" smtClean="0"/>
-              <a:t>5/24/2018</a:t>
+              <a:t>5/25/2018</a:t>
             </a:fld>
             <a:endParaRPr lang="en-US" dirty="0"/>
           </a:p>
@@ -2942,7 +2951,7 @@
             <a:fld id="{D57F1E4F-1CFF-5643-939E-217C01CDF565}" type="slidenum">
               <a:rPr lang="en-US" smtClean="0"/>
               <a:pPr/>
-              <a:t>‹Nº›</a:t>
+              <a:t>‹#›</a:t>
             </a:fld>
             <a:endParaRPr lang="en-US" dirty="0"/>
           </a:p>
@@ -3305,7 +3314,7 @@
           <a:p>
             <a:fld id="{08D4A4A6-DEFE-48FD-9ABD-BE46C68968F5}" type="datetime1">
               <a:rPr lang="en-US" smtClean="0"/>
-              <a:t>5/24/2018</a:t>
+              <a:t>5/25/2018</a:t>
             </a:fld>
             <a:endParaRPr lang="en-US" dirty="0"/>
           </a:p>
@@ -3348,7 +3357,7 @@
             <a:fld id="{D57F1E4F-1CFF-5643-939E-217C01CDF565}" type="slidenum">
               <a:rPr lang="en-US" dirty="0"/>
               <a:pPr/>
-              <a:t>‹Nº›</a:t>
+              <a:t>‹#›</a:t>
             </a:fld>
             <a:endParaRPr lang="en-US" dirty="0"/>
           </a:p>
@@ -3647,7 +3656,7 @@
           <a:p>
             <a:fld id="{A71AB27D-193B-4544-847C-4B9D484EDC35}" type="datetime1">
               <a:rPr lang="en-US" smtClean="0"/>
-              <a:t>5/24/2018</a:t>
+              <a:t>5/25/2018</a:t>
             </a:fld>
             <a:endParaRPr lang="en-US" dirty="0"/>
           </a:p>
@@ -3690,7 +3699,7 @@
             <a:fld id="{D57F1E4F-1CFF-5643-939E-217C01CDF565}" type="slidenum">
               <a:rPr lang="en-US" dirty="0"/>
               <a:pPr/>
-              <a:t>‹Nº›</a:t>
+              <a:t>‹#›</a:t>
             </a:fld>
             <a:endParaRPr lang="en-US" dirty="0"/>
           </a:p>
@@ -4127,7 +4136,7 @@
           <a:p>
             <a:fld id="{F7512260-E1FF-4823-B531-2D6E8793C49F}" type="datetime1">
               <a:rPr lang="en-US" smtClean="0"/>
-              <a:t>5/24/2018</a:t>
+              <a:t>5/25/2018</a:t>
             </a:fld>
             <a:endParaRPr lang="en-US" dirty="0"/>
           </a:p>
@@ -4170,7 +4179,7 @@
             <a:fld id="{D57F1E4F-1CFF-5643-939E-217C01CDF565}" type="slidenum">
               <a:rPr lang="en-US" dirty="0"/>
               <a:pPr/>
-              <a:t>‹Nº›</a:t>
+              <a:t>‹#›</a:t>
             </a:fld>
             <a:endParaRPr lang="en-US" dirty="0"/>
           </a:p>
@@ -4344,7 +4353,7 @@
           <a:p>
             <a:fld id="{7D6018ED-6179-4E1C-AF18-D63C0F0D7E32}" type="datetime1">
               <a:rPr lang="en-US" smtClean="0"/>
-              <a:t>5/24/2018</a:t>
+              <a:t>5/25/2018</a:t>
             </a:fld>
             <a:endParaRPr lang="en-US" dirty="0"/>
           </a:p>
@@ -4387,7 +4396,7 @@
             <a:fld id="{D57F1E4F-1CFF-5643-939E-217C01CDF565}" type="slidenum">
               <a:rPr lang="en-US" dirty="0"/>
               <a:pPr/>
-              <a:t>‹Nº›</a:t>
+              <a:t>‹#›</a:t>
             </a:fld>
             <a:endParaRPr lang="en-US" dirty="0"/>
           </a:p>
@@ -4442,7 +4451,7 @@
           <a:p>
             <a:fld id="{8435EFFA-6F1D-4C3D-A3F9-65CD15294331}" type="datetime1">
               <a:rPr lang="en-US" smtClean="0"/>
-              <a:t>5/24/2018</a:t>
+              <a:t>5/25/2018</a:t>
             </a:fld>
             <a:endParaRPr lang="en-US" dirty="0"/>
           </a:p>
@@ -4485,7 +4494,7 @@
             <a:fld id="{D57F1E4F-1CFF-5643-939E-217C01CDF565}" type="slidenum">
               <a:rPr lang="en-US" dirty="0"/>
               <a:pPr/>
-              <a:t>‹Nº›</a:t>
+              <a:t>‹#›</a:t>
             </a:fld>
             <a:endParaRPr lang="en-US" dirty="0"/>
           </a:p>
@@ -4912,7 +4921,7 @@
           <a:p>
             <a:fld id="{8072F29E-79CC-4017-969E-5619E5C1F0EF}" type="datetime1">
               <a:rPr lang="en-US" smtClean="0"/>
-              <a:t>5/24/2018</a:t>
+              <a:t>5/25/2018</a:t>
             </a:fld>
             <a:endParaRPr lang="en-US" dirty="0"/>
           </a:p>
@@ -4955,7 +4964,7 @@
             <a:fld id="{D57F1E4F-1CFF-5643-939E-217C01CDF565}" type="slidenum">
               <a:rPr lang="en-US" dirty="0"/>
               <a:pPr/>
-              <a:t>‹Nº›</a:t>
+              <a:t>‹#›</a:t>
             </a:fld>
             <a:endParaRPr lang="en-US" dirty="0"/>
           </a:p>
@@ -5221,7 +5230,7 @@
           <a:p>
             <a:fld id="{28C2F606-D503-43E7-9ADD-B05EE5C2B95C}" type="datetime1">
               <a:rPr lang="en-US" smtClean="0"/>
-              <a:t>5/24/2018</a:t>
+              <a:t>5/25/2018</a:t>
             </a:fld>
             <a:endParaRPr lang="en-US" dirty="0"/>
           </a:p>
@@ -5274,7 +5283,7 @@
             <a:fld id="{D57F1E4F-1CFF-5643-939E-217C01CDF565}" type="slidenum">
               <a:rPr lang="en-US" dirty="0"/>
               <a:pPr/>
-              <a:t>‹Nº›</a:t>
+              <a:t>‹#›</a:t>
             </a:fld>
             <a:endParaRPr lang="en-US" dirty="0"/>
           </a:p>
@@ -5487,7 +5496,7 @@
           <a:p>
             <a:fld id="{2D0EB9B6-F566-4FA3-BDF1-58BD99A293BC}" type="datetime1">
               <a:rPr lang="en-US" smtClean="0"/>
-              <a:t>5/24/2018</a:t>
+              <a:t>5/25/2018</a:t>
             </a:fld>
             <a:endParaRPr lang="en-US" dirty="0"/>
           </a:p>
@@ -5527,7 +5536,7 @@
             <a:fld id="{D57F1E4F-1CFF-5643-939E-217C01CDF565}" type="slidenum">
               <a:rPr lang="en-US" dirty="0"/>
               <a:pPr/>
-              <a:t>‹Nº›</a:t>
+              <a:t>‹#›</a:t>
             </a:fld>
             <a:endParaRPr lang="en-US" dirty="0"/>
           </a:p>
@@ -6022,6 +6031,121 @@
 </p:sld>
 </file>
 
+<file path=ppt/slides/slide10.xml><?xml version="1.0" encoding="utf-8"?>
+<p:sld xmlns:a="http://schemas.openxmlformats.org/drawingml/2006/main" xmlns:r="http://schemas.openxmlformats.org/officeDocument/2006/relationships" xmlns:p="http://schemas.openxmlformats.org/presentationml/2006/main">
+  <p:cSld>
+    <p:spTree>
+      <p:nvGrpSpPr>
+        <p:cNvPr id="1" name=""/>
+        <p:cNvGrpSpPr/>
+        <p:nvPr/>
+      </p:nvGrpSpPr>
+      <p:grpSpPr>
+        <a:xfrm>
+          <a:off x="0" y="0"/>
+          <a:ext cx="0" cy="0"/>
+          <a:chOff x="0" y="0"/>
+          <a:chExt cx="0" cy="0"/>
+        </a:xfrm>
+      </p:grpSpPr>
+      <p:sp>
+        <p:nvSpPr>
+          <p:cNvPr id="2" name="Marcador de contenido 1"/>
+          <p:cNvSpPr>
+            <a:spLocks noGrp="1"/>
+          </p:cNvSpPr>
+          <p:nvPr>
+            <p:ph idx="1"/>
+          </p:nvPr>
+        </p:nvSpPr>
+        <p:spPr/>
+        <p:txBody>
+          <a:bodyPr/>
+          <a:lstStyle/>
+          <a:p>
+            <a:r>
+              <a:rPr lang="es-ES" dirty="0" smtClean="0"/>
+              <a:t>VAYA </a:t>
+            </a:r>
+            <a:r>
+              <a:rPr lang="es-ES" dirty="0" err="1" smtClean="0"/>
+              <a:t>VAYA</a:t>
+            </a:r>
+            <a:r>
+              <a:rPr lang="es-ES" smtClean="0"/>
+              <a:t> </a:t>
+            </a:r>
+            <a:endParaRPr lang="en-GB"/>
+          </a:p>
+        </p:txBody>
+      </p:sp>
+      <p:sp>
+        <p:nvSpPr>
+          <p:cNvPr id="3" name="Marcador de número de diapositiva 2"/>
+          <p:cNvSpPr>
+            <a:spLocks noGrp="1"/>
+          </p:cNvSpPr>
+          <p:nvPr>
+            <p:ph type="sldNum" sz="quarter" idx="12"/>
+          </p:nvPr>
+        </p:nvSpPr>
+        <p:spPr/>
+        <p:txBody>
+          <a:bodyPr/>
+          <a:lstStyle/>
+          <a:p>
+            <a:fld id="{D57F1E4F-1CFF-5643-939E-217C01CDF565}" type="slidenum">
+              <a:rPr lang="en-US" smtClean="0"/>
+              <a:pPr/>
+              <a:t>10</a:t>
+            </a:fld>
+            <a:endParaRPr lang="en-US" dirty="0"/>
+          </a:p>
+        </p:txBody>
+      </p:sp>
+      <p:sp>
+        <p:nvSpPr>
+          <p:cNvPr id="4" name="Título 3"/>
+          <p:cNvSpPr>
+            <a:spLocks noGrp="1"/>
+          </p:cNvSpPr>
+          <p:nvPr>
+            <p:ph type="title"/>
+          </p:nvPr>
+        </p:nvSpPr>
+        <p:spPr/>
+        <p:txBody>
+          <a:bodyPr/>
+          <a:lstStyle/>
+          <a:p>
+            <a:r>
+              <a:rPr lang="es-ES" dirty="0" err="1" smtClean="0"/>
+              <a:t>Conclusions</a:t>
+            </a:r>
+            <a:endParaRPr lang="en-GB" dirty="0"/>
+          </a:p>
+        </p:txBody>
+      </p:sp>
+    </p:spTree>
+    <p:extLst>
+      <p:ext uri="{BB962C8B-B14F-4D97-AF65-F5344CB8AC3E}">
+        <p14:creationId xmlns:p14="http://schemas.microsoft.com/office/powerpoint/2010/main" val="3967657403"/>
+      </p:ext>
+    </p:extLst>
+  </p:cSld>
+  <p:clrMapOvr>
+    <a:masterClrMapping/>
+  </p:clrMapOvr>
+  <p:timing>
+    <p:tnLst>
+      <p:par>
+        <p:cTn id="1" dur="indefinite" restart="never" nodeType="tmRoot"/>
+      </p:par>
+    </p:tnLst>
+  </p:timing>
+</p:sld>
+</file>
+
 <file path=ppt/slides/slide2.xml><?xml version="1.0" encoding="utf-8"?>
 <p:sld xmlns:a="http://schemas.openxmlformats.org/drawingml/2006/main" xmlns:r="http://schemas.openxmlformats.org/officeDocument/2006/relationships" xmlns:p="http://schemas.openxmlformats.org/presentationml/2006/main">
   <p:cSld>
@@ -6039,25 +6163,241 @@
           <a:chExt cx="0" cy="0"/>
         </a:xfrm>
       </p:grpSpPr>
-      <p:sp>
-        <p:nvSpPr>
-          <p:cNvPr id="2" name="Marcador de contenido 1"/>
-          <p:cNvSpPr>
-            <a:spLocks noGrp="1"/>
-          </p:cNvSpPr>
-          <p:nvPr>
-            <p:ph idx="1"/>
-          </p:nvPr>
-        </p:nvSpPr>
-        <p:spPr/>
-        <p:txBody>
-          <a:bodyPr/>
-          <a:lstStyle/>
-          <a:p>
-            <a:endParaRPr lang="en-GB"/>
-          </a:p>
-        </p:txBody>
-      </p:sp>
+      <mc:AlternateContent xmlns:mc="http://schemas.openxmlformats.org/markup-compatibility/2006" xmlns:a14="http://schemas.microsoft.com/office/drawing/2010/main">
+        <mc:Choice Requires="a14">
+          <p:sp>
+            <p:nvSpPr>
+              <p:cNvPr id="2" name="Marcador de contenido 1"/>
+              <p:cNvSpPr>
+                <a:spLocks noGrp="1"/>
+              </p:cNvSpPr>
+              <p:nvPr>
+                <p:ph idx="1"/>
+              </p:nvPr>
+            </p:nvSpPr>
+            <p:spPr/>
+            <p:txBody>
+              <a:bodyPr anchor="t"/>
+              <a:lstStyle/>
+              <a:p>
+                <a:r>
+                  <a:rPr lang="es-ES" dirty="0" smtClean="0"/>
+                  <a:t>Objectiu: </a:t>
+                </a:r>
+                <a:r>
+                  <a:rPr lang="es-ES" dirty="0" err="1" smtClean="0"/>
+                  <a:t>Disseny</a:t>
+                </a:r>
+                <a:r>
+                  <a:rPr lang="es-ES" dirty="0" smtClean="0"/>
+                  <a:t> de la </a:t>
+                </a:r>
+                <a:r>
+                  <a:rPr lang="es-ES" dirty="0" err="1" smtClean="0"/>
+                  <a:t>motorització</a:t>
+                </a:r>
+                <a:r>
+                  <a:rPr lang="es-ES" dirty="0" smtClean="0"/>
+                  <a:t> </a:t>
+                </a:r>
+                <a:r>
+                  <a:rPr lang="es-ES" dirty="0" err="1" smtClean="0"/>
+                  <a:t>d’una</a:t>
+                </a:r>
+                <a:r>
+                  <a:rPr lang="es-ES" dirty="0" smtClean="0"/>
+                  <a:t> </a:t>
+                </a:r>
+                <a:r>
+                  <a:rPr lang="es-ES" dirty="0" err="1" smtClean="0"/>
+                  <a:t>aeronau</a:t>
+                </a:r>
+                <a:endParaRPr lang="es-ES" dirty="0" smtClean="0"/>
+              </a:p>
+              <a:p>
+                <a:r>
+                  <a:rPr lang="es-ES" dirty="0" err="1" smtClean="0"/>
+                  <a:t>Requisits</a:t>
+                </a:r>
+                <a:r>
+                  <a:rPr lang="es-ES" dirty="0" smtClean="0"/>
+                  <a:t>:</a:t>
+                </a:r>
+              </a:p>
+              <a:p>
+                <a:pPr marL="0" indent="0" algn="ctr">
+                  <a:buNone/>
+                </a:pPr>
+                <a14:m>
+                  <m:oMath xmlns:m="http://schemas.openxmlformats.org/officeDocument/2006/math">
+                    <m:r>
+                      <a:rPr lang="es-ES" b="0" i="1" smtClean="0">
+                        <a:latin typeface="Cambria Math" panose="02040503050406030204" pitchFamily="18" charset="0"/>
+                      </a:rPr>
+                      <m:t>𝐹</m:t>
+                    </m:r>
+                    <m:r>
+                      <a:rPr lang="es-ES" b="0" i="1" smtClean="0">
+                        <a:latin typeface="Cambria Math" panose="02040503050406030204" pitchFamily="18" charset="0"/>
+                      </a:rPr>
+                      <m:t>=25000 </m:t>
+                    </m:r>
+                    <m:r>
+                      <a:rPr lang="es-ES" b="0" i="1" smtClean="0">
+                        <a:latin typeface="Cambria Math" panose="02040503050406030204" pitchFamily="18" charset="0"/>
+                      </a:rPr>
+                      <m:t>𝑁</m:t>
+                    </m:r>
+                  </m:oMath>
+                </a14:m>
+                <a:r>
+                  <a:rPr lang="es-ES" dirty="0" smtClean="0"/>
+                  <a:t> </a:t>
+                </a:r>
+                <a14:m>
+                  <m:oMath xmlns:m="http://schemas.openxmlformats.org/officeDocument/2006/math">
+                    <m:r>
+                      <a:rPr lang="es-ES" b="0" i="0" smtClean="0">
+                        <a:latin typeface="Cambria Math" panose="02040503050406030204" pitchFamily="18" charset="0"/>
+                      </a:rPr>
+                      <m:t>         </m:t>
+                    </m:r>
+                    <m:r>
+                      <m:rPr>
+                        <m:sty m:val="p"/>
+                      </m:rPr>
+                      <a:rPr lang="es-ES" b="0" i="0" smtClean="0">
+                        <a:latin typeface="Cambria Math" panose="02040503050406030204" pitchFamily="18" charset="0"/>
+                      </a:rPr>
+                      <m:t>h</m:t>
+                    </m:r>
+                    <m:r>
+                      <a:rPr lang="es-ES" i="1">
+                        <a:latin typeface="Cambria Math" panose="02040503050406030204" pitchFamily="18" charset="0"/>
+                      </a:rPr>
+                      <m:t>=</m:t>
+                    </m:r>
+                    <m:r>
+                      <a:rPr lang="es-ES" b="0" i="1" smtClean="0">
+                        <a:latin typeface="Cambria Math" panose="02040503050406030204" pitchFamily="18" charset="0"/>
+                      </a:rPr>
+                      <m:t>9500</m:t>
+                    </m:r>
+                    <m:r>
+                      <a:rPr lang="es-ES" i="1">
+                        <a:latin typeface="Cambria Math" panose="02040503050406030204" pitchFamily="18" charset="0"/>
+                      </a:rPr>
+                      <m:t> </m:t>
+                    </m:r>
+                    <m:r>
+                      <a:rPr lang="es-ES" b="0" i="1" smtClean="0">
+                        <a:latin typeface="Cambria Math" panose="02040503050406030204" pitchFamily="18" charset="0"/>
+                      </a:rPr>
+                      <m:t>𝑚</m:t>
+                    </m:r>
+                  </m:oMath>
+                </a14:m>
+                <a:r>
+                  <a:rPr lang="es-ES" dirty="0" smtClean="0"/>
+                  <a:t>      </a:t>
+                </a:r>
+                <a14:m>
+                  <m:oMath xmlns:m="http://schemas.openxmlformats.org/officeDocument/2006/math">
+                    <m:r>
+                      <m:rPr>
+                        <m:sty m:val="p"/>
+                      </m:rPr>
+                      <a:rPr lang="es-ES" b="0" i="0" smtClean="0">
+                        <a:latin typeface="Cambria Math" panose="02040503050406030204" pitchFamily="18" charset="0"/>
+                      </a:rPr>
+                      <m:t>v</m:t>
+                    </m:r>
+                    <m:r>
+                      <a:rPr lang="es-ES" i="1">
+                        <a:latin typeface="Cambria Math" panose="02040503050406030204" pitchFamily="18" charset="0"/>
+                      </a:rPr>
+                      <m:t>=</m:t>
+                    </m:r>
+                    <m:r>
+                      <a:rPr lang="es-ES" b="0" i="1" smtClean="0">
+                        <a:latin typeface="Cambria Math" panose="02040503050406030204" pitchFamily="18" charset="0"/>
+                      </a:rPr>
+                      <m:t>600 </m:t>
+                    </m:r>
+                    <m:r>
+                      <a:rPr lang="es-ES" b="0" i="1" smtClean="0">
+                        <a:latin typeface="Cambria Math" panose="02040503050406030204" pitchFamily="18" charset="0"/>
+                      </a:rPr>
+                      <m:t>𝑘𝑚</m:t>
+                    </m:r>
+                    <m:r>
+                      <a:rPr lang="es-ES" b="0" i="1" smtClean="0">
+                        <a:latin typeface="Cambria Math" panose="02040503050406030204" pitchFamily="18" charset="0"/>
+                      </a:rPr>
+                      <m:t>/</m:t>
+                    </m:r>
+                    <m:r>
+                      <a:rPr lang="es-ES" b="0" i="1" smtClean="0">
+                        <a:latin typeface="Cambria Math" panose="02040503050406030204" pitchFamily="18" charset="0"/>
+                      </a:rPr>
+                      <m:t>h</m:t>
+                    </m:r>
+                  </m:oMath>
+                </a14:m>
+                <a:endParaRPr lang="es-ES" dirty="0"/>
+              </a:p>
+              <a:p>
+                <a:pPr marL="0" indent="0">
+                  <a:buNone/>
+                </a:pPr>
+                <a:endParaRPr lang="es-ES" dirty="0"/>
+              </a:p>
+              <a:p>
+                <a:pPr marL="0" indent="0">
+                  <a:buNone/>
+                </a:pPr>
+                <a:endParaRPr lang="es-ES" dirty="0" smtClean="0"/>
+              </a:p>
+              <a:p>
+                <a:endParaRPr lang="en-GB" dirty="0"/>
+              </a:p>
+            </p:txBody>
+          </p:sp>
+        </mc:Choice>
+        <mc:Fallback xmlns="">
+          <p:sp>
+            <p:nvSpPr>
+              <p:cNvPr id="2" name="Marcador de contenido 1"/>
+              <p:cNvSpPr>
+                <a:spLocks noGrp="1" noRot="1" noChangeAspect="1" noMove="1" noResize="1" noEditPoints="1" noAdjustHandles="1" noChangeArrowheads="1" noChangeShapeType="1" noTextEdit="1"/>
+              </p:cNvSpPr>
+              <p:nvPr>
+                <p:ph idx="1"/>
+              </p:nvPr>
+            </p:nvSpPr>
+            <p:spPr>
+              <a:blipFill rotWithShape="0">
+                <a:blip r:embed="rId2"/>
+                <a:stretch>
+                  <a:fillRect/>
+                </a:stretch>
+              </a:blipFill>
+            </p:spPr>
+            <p:txBody>
+              <a:bodyPr/>
+              <a:lstStyle/>
+              <a:p>
+                <a:r>
+                  <a:rPr lang="en-GB">
+                    <a:noFill/>
+                  </a:rPr>
+                  <a:t> </a:t>
+                </a:r>
+              </a:p>
+            </p:txBody>
+          </p:sp>
+        </mc:Fallback>
+      </mc:AlternateContent>
       <p:sp>
         <p:nvSpPr>
           <p:cNvPr id="3" name="Marcador de número de diapositiva 2"/>
@@ -6101,10 +6441,52 @@
               <a:rPr lang="es-ES" dirty="0" err="1" smtClean="0"/>
               <a:t>Introducció</a:t>
             </a:r>
+            <a:r>
+              <a:rPr lang="es-ES" dirty="0" smtClean="0"/>
+              <a:t> i </a:t>
+            </a:r>
+            <a:r>
+              <a:rPr lang="es-ES" dirty="0" err="1" smtClean="0"/>
+              <a:t>descripció</a:t>
+            </a:r>
+            <a:r>
+              <a:rPr lang="es-ES" dirty="0" smtClean="0"/>
+              <a:t> del motor</a:t>
+            </a:r>
             <a:endParaRPr lang="en-GB" dirty="0"/>
           </a:p>
         </p:txBody>
       </p:sp>
+      <p:pic>
+        <p:nvPicPr>
+          <p:cNvPr id="5" name="Picture 4"/>
+          <p:cNvPicPr>
+            <a:picLocks noChangeAspect="1"/>
+          </p:cNvPicPr>
+          <p:nvPr/>
+        </p:nvPicPr>
+        <p:blipFill>
+          <a:blip r:embed="rId3">
+            <a:extLst>
+              <a:ext uri="{28A0092B-C50C-407E-A947-70E740481C1C}">
+                <a14:useLocalDpi xmlns:a14="http://schemas.microsoft.com/office/drawing/2010/main" val="0"/>
+              </a:ext>
+            </a:extLst>
+          </a:blip>
+          <a:stretch>
+            <a:fillRect/>
+          </a:stretch>
+        </p:blipFill>
+        <p:spPr>
+          <a:xfrm>
+            <a:off x="3281361" y="3690252"/>
+            <a:ext cx="5629275" cy="2600325"/>
+          </a:xfrm>
+          <a:prstGeom prst="rect">
+            <a:avLst/>
+          </a:prstGeom>
+        </p:spPr>
+      </p:pic>
     </p:spTree>
     <p:extLst>
       <p:ext uri="{BB962C8B-B14F-4D97-AF65-F5344CB8AC3E}">
@@ -6144,25 +6526,6 @@
       </p:grpSpPr>
       <p:sp>
         <p:nvSpPr>
-          <p:cNvPr id="2" name="Marcador de contenido 1"/>
-          <p:cNvSpPr>
-            <a:spLocks noGrp="1"/>
-          </p:cNvSpPr>
-          <p:nvPr>
-            <p:ph idx="1"/>
-          </p:nvPr>
-        </p:nvSpPr>
-        <p:spPr/>
-        <p:txBody>
-          <a:bodyPr/>
-          <a:lstStyle/>
-          <a:p>
-            <a:endParaRPr lang="en-GB"/>
-          </a:p>
-        </p:txBody>
-      </p:sp>
-      <p:sp>
-        <p:nvSpPr>
           <p:cNvPr id="3" name="Marcador de número de diapositiva 2"/>
           <p:cNvSpPr>
             <a:spLocks noGrp="1"/>
@@ -6224,6 +6587,66 @@
           </a:p>
         </p:txBody>
       </p:sp>
+      <p:pic>
+        <p:nvPicPr>
+          <p:cNvPr id="10" name="Picture 9"/>
+          <p:cNvPicPr>
+            <a:picLocks noChangeAspect="1"/>
+          </p:cNvPicPr>
+          <p:nvPr/>
+        </p:nvPicPr>
+        <p:blipFill>
+          <a:blip r:embed="rId2">
+            <a:extLst>
+              <a:ext uri="{28A0092B-C50C-407E-A947-70E740481C1C}">
+                <a14:useLocalDpi xmlns:a14="http://schemas.microsoft.com/office/drawing/2010/main" val="0"/>
+              </a:ext>
+            </a:extLst>
+          </a:blip>
+          <a:stretch>
+            <a:fillRect/>
+          </a:stretch>
+        </p:blipFill>
+        <p:spPr>
+          <a:xfrm>
+            <a:off x="410755" y="2736387"/>
+            <a:ext cx="5178676" cy="3832086"/>
+          </a:xfrm>
+          <a:prstGeom prst="rect">
+            <a:avLst/>
+          </a:prstGeom>
+        </p:spPr>
+      </p:pic>
+      <p:pic>
+        <p:nvPicPr>
+          <p:cNvPr id="11" name="Picture 10"/>
+          <p:cNvPicPr>
+            <a:picLocks noChangeAspect="1"/>
+          </p:cNvPicPr>
+          <p:nvPr/>
+        </p:nvPicPr>
+        <p:blipFill>
+          <a:blip r:embed="rId3">
+            <a:extLst>
+              <a:ext uri="{28A0092B-C50C-407E-A947-70E740481C1C}">
+                <a14:useLocalDpi xmlns:a14="http://schemas.microsoft.com/office/drawing/2010/main" val="0"/>
+              </a:ext>
+            </a:extLst>
+          </a:blip>
+          <a:stretch>
+            <a:fillRect/>
+          </a:stretch>
+        </p:blipFill>
+        <p:spPr>
+          <a:xfrm>
+            <a:off x="6516710" y="2093058"/>
+            <a:ext cx="5364233" cy="3979004"/>
+          </a:xfrm>
+          <a:prstGeom prst="rect">
+            <a:avLst/>
+          </a:prstGeom>
+        </p:spPr>
+      </p:pic>
     </p:spTree>
     <p:extLst>
       <p:ext uri="{BB962C8B-B14F-4D97-AF65-F5344CB8AC3E}">
@@ -6263,25 +6686,6 @@
       </p:grpSpPr>
       <p:sp>
         <p:nvSpPr>
-          <p:cNvPr id="2" name="Marcador de contenido 1"/>
-          <p:cNvSpPr>
-            <a:spLocks noGrp="1"/>
-          </p:cNvSpPr>
-          <p:nvPr>
-            <p:ph idx="1"/>
-          </p:nvPr>
-        </p:nvSpPr>
-        <p:spPr/>
-        <p:txBody>
-          <a:bodyPr/>
-          <a:lstStyle/>
-          <a:p>
-            <a:endParaRPr lang="en-GB"/>
-          </a:p>
-        </p:txBody>
-      </p:sp>
-      <p:sp>
-        <p:nvSpPr>
           <p:cNvPr id="3" name="Marcador de número de diapositiva 2"/>
           <p:cNvSpPr>
             <a:spLocks noGrp="1"/>
@@ -6321,7 +6725,7 @@
           <a:p>
             <a:r>
               <a:rPr lang="es-ES" dirty="0" err="1" smtClean="0"/>
-              <a:t>Càlcul</a:t>
+              <a:t>Elecció</a:t>
             </a:r>
             <a:r>
               <a:rPr lang="es-ES" dirty="0" smtClean="0"/>
@@ -6329,11 +6733,42 @@
             </a:r>
             <a:r>
               <a:rPr lang="es-ES" dirty="0" err="1" smtClean="0"/>
-              <a:t>paramètric</a:t>
+              <a:t>paràmetres</a:t>
             </a:r>
             <a:r>
               <a:rPr lang="es-ES" dirty="0" smtClean="0"/>
-              <a:t> del motor real</a:t>
+              <a:t> per un motor </a:t>
+            </a:r>
+            <a:r>
+              <a:rPr lang="es-ES" dirty="0" err="1" smtClean="0"/>
+              <a:t>òptim</a:t>
+            </a:r>
+            <a:endParaRPr lang="en-GB" dirty="0"/>
+          </a:p>
+        </p:txBody>
+      </p:sp>
+      <p:sp>
+        <p:nvSpPr>
+          <p:cNvPr id="6" name="Content Placeholder 5"/>
+          <p:cNvSpPr>
+            <a:spLocks noGrp="1"/>
+          </p:cNvSpPr>
+          <p:nvPr>
+            <p:ph idx="1"/>
+          </p:nvPr>
+        </p:nvSpPr>
+        <p:spPr/>
+        <p:txBody>
+          <a:bodyPr/>
+          <a:lstStyle/>
+          <a:p>
+            <a:r>
+              <a:rPr lang="es-ES" dirty="0" smtClean="0"/>
+              <a:t>Diagrama </a:t>
+            </a:r>
+            <a:r>
+              <a:rPr lang="es-ES" dirty="0" err="1" smtClean="0"/>
+              <a:t>flow</a:t>
             </a:r>
             <a:endParaRPr lang="en-GB" dirty="0"/>
           </a:p>
@@ -6342,7 +6777,7 @@
     </p:spTree>
     <p:extLst>
       <p:ext uri="{BB962C8B-B14F-4D97-AF65-F5344CB8AC3E}">
-        <p14:creationId xmlns:p14="http://schemas.microsoft.com/office/powerpoint/2010/main" val="3702915847"/>
+        <p14:creationId xmlns:p14="http://schemas.microsoft.com/office/powerpoint/2010/main" val="1383054741"/>
       </p:ext>
     </p:extLst>
   </p:cSld>
@@ -6391,7 +6826,35 @@
           <a:bodyPr/>
           <a:lstStyle/>
           <a:p>
-            <a:endParaRPr lang="en-GB"/>
+            <a:r>
+              <a:rPr lang="es-ES" dirty="0" smtClean="0"/>
+              <a:t>Resultados para el </a:t>
+            </a:r>
+            <a:r>
+              <a:rPr lang="es-ES" dirty="0" err="1" smtClean="0"/>
+              <a:t>motro</a:t>
+            </a:r>
+            <a:r>
+              <a:rPr lang="es-ES" dirty="0" smtClean="0"/>
+              <a:t> real: Pis i Taus, Mach de salida del primario i del secundario. Fuerza adimensional, flujos </a:t>
+            </a:r>
+            <a:r>
+              <a:rPr lang="es-ES" dirty="0" err="1" smtClean="0"/>
+              <a:t>masicos</a:t>
+            </a:r>
+            <a:r>
+              <a:rPr lang="es-ES" dirty="0" smtClean="0"/>
+              <a:t>. Comentar que se ha considerado la dependencia de </a:t>
+            </a:r>
+            <a:r>
+              <a:rPr lang="es-ES" dirty="0" err="1" smtClean="0"/>
+              <a:t>Cp</a:t>
+            </a:r>
+            <a:r>
+              <a:rPr lang="es-ES" dirty="0" smtClean="0"/>
+              <a:t> con la temperatura y no se han hecho simplificaciones.</a:t>
+            </a:r>
+            <a:endParaRPr lang="en-GB" dirty="0"/>
           </a:p>
         </p:txBody>
       </p:sp>
@@ -6440,19 +6903,15 @@
             </a:r>
             <a:r>
               <a:rPr lang="es-ES" dirty="0" smtClean="0"/>
-              <a:t> i </a:t>
+              <a:t> </a:t>
             </a:r>
             <a:r>
               <a:rPr lang="es-ES" dirty="0" err="1" smtClean="0"/>
-              <a:t>elecció</a:t>
+              <a:t>paramètric</a:t>
             </a:r>
             <a:r>
               <a:rPr lang="es-ES" dirty="0" smtClean="0"/>
-              <a:t> de </a:t>
-            </a:r>
-            <a:r>
-              <a:rPr lang="es-ES" dirty="0" err="1" smtClean="0"/>
-              <a:t>l’hèlix</a:t>
+              <a:t> del motor real</a:t>
             </a:r>
             <a:endParaRPr lang="en-GB" dirty="0"/>
           </a:p>
@@ -6461,7 +6920,7 @@
     </p:spTree>
     <p:extLst>
       <p:ext uri="{BB962C8B-B14F-4D97-AF65-F5344CB8AC3E}">
-        <p14:creationId xmlns:p14="http://schemas.microsoft.com/office/powerpoint/2010/main" val="2693511328"/>
+        <p14:creationId xmlns:p14="http://schemas.microsoft.com/office/powerpoint/2010/main" val="3702915847"/>
       </p:ext>
     </p:extLst>
   </p:cSld>
@@ -6510,8 +6969,19 @@
           <a:bodyPr/>
           <a:lstStyle/>
           <a:p>
-            <a:pPr algn="ctr"/>
-            <a:endParaRPr lang="ca-ES" dirty="0"/>
+            <a:r>
+              <a:rPr lang="es-ES" dirty="0" smtClean="0"/>
+              <a:t>Suposiciones hechas, resultados ( da </a:t>
+            </a:r>
+            <a:r>
+              <a:rPr lang="es-ES" dirty="0" err="1" smtClean="0"/>
+              <a:t>mixer</a:t>
+            </a:r>
+            <a:r>
+              <a:rPr lang="es-ES" dirty="0" smtClean="0"/>
+              <a:t> ahogado, mach de salida, fuerza adimensional), sale a cuenta o no sale a cuenta (NO sale a cuenta).</a:t>
+            </a:r>
+            <a:endParaRPr lang="en-GB" dirty="0"/>
           </a:p>
         </p:txBody>
       </p:sp>
@@ -6555,17 +7025,33 @@
           <a:lstStyle/>
           <a:p>
             <a:r>
-              <a:rPr lang="ca-ES" dirty="0" smtClean="0"/>
-              <a:t>Càlcul i elecció de postcombustor</a:t>
-            </a:r>
-            <a:endParaRPr lang="ca-ES" dirty="0"/>
+              <a:rPr lang="es-ES" dirty="0" err="1" smtClean="0"/>
+              <a:t>Estudi</a:t>
+            </a:r>
+            <a:r>
+              <a:rPr lang="es-ES" dirty="0" smtClean="0"/>
+              <a:t> </a:t>
+            </a:r>
+            <a:r>
+              <a:rPr lang="es-ES" dirty="0" err="1" smtClean="0"/>
+              <a:t>implementació</a:t>
+            </a:r>
+            <a:r>
+              <a:rPr lang="es-ES" dirty="0" smtClean="0"/>
+              <a:t> </a:t>
+            </a:r>
+            <a:r>
+              <a:rPr lang="es-ES" dirty="0" err="1" smtClean="0"/>
+              <a:t>Mixer</a:t>
+            </a:r>
+            <a:endParaRPr lang="en-GB" dirty="0"/>
           </a:p>
         </p:txBody>
       </p:sp>
     </p:spTree>
     <p:extLst>
       <p:ext uri="{BB962C8B-B14F-4D97-AF65-F5344CB8AC3E}">
-        <p14:creationId xmlns:p14="http://schemas.microsoft.com/office/powerpoint/2010/main" val="615171211"/>
+        <p14:creationId xmlns:p14="http://schemas.microsoft.com/office/powerpoint/2010/main" val="752491234"/>
       </p:ext>
     </p:extLst>
   </p:cSld>
@@ -6614,7 +7100,19 @@
           <a:bodyPr/>
           <a:lstStyle/>
           <a:p>
-            <a:endParaRPr lang="en-GB"/>
+            <a:r>
+              <a:rPr lang="es-ES" dirty="0" smtClean="0"/>
+              <a:t>Dos casos: con turbina igual o optimizando la salida de la turbina. Resultado de cada uno de los casos y razonamiento. Selección del </a:t>
+            </a:r>
+            <a:r>
+              <a:rPr lang="es-ES" dirty="0" err="1" smtClean="0"/>
+              <a:t>propeller</a:t>
+            </a:r>
+            <a:r>
+              <a:rPr lang="es-ES" dirty="0" smtClean="0"/>
+              <a:t>. </a:t>
+            </a:r>
+            <a:endParaRPr lang="en-GB" dirty="0"/>
           </a:p>
         </p:txBody>
       </p:sp>
@@ -6659,15 +7157,7 @@
           <a:p>
             <a:r>
               <a:rPr lang="es-ES" dirty="0" err="1" smtClean="0"/>
-              <a:t>Càlcul</a:t>
-            </a:r>
-            <a:r>
-              <a:rPr lang="es-ES" dirty="0" smtClean="0"/>
-              <a:t> de </a:t>
-            </a:r>
-            <a:r>
-              <a:rPr lang="es-ES" dirty="0" err="1" smtClean="0"/>
-              <a:t>consum</a:t>
+              <a:t>Estudi</a:t>
             </a:r>
             <a:r>
               <a:rPr lang="es-ES" dirty="0" smtClean="0"/>
@@ -6675,15 +7165,15 @@
             </a:r>
             <a:r>
               <a:rPr lang="es-ES" dirty="0" err="1" smtClean="0"/>
-              <a:t>d’aire</a:t>
+              <a:t>implementació</a:t>
             </a:r>
             <a:r>
               <a:rPr lang="es-ES" dirty="0" smtClean="0"/>
-              <a:t> i fuel en </a:t>
+              <a:t> </a:t>
             </a:r>
             <a:r>
               <a:rPr lang="es-ES" dirty="0" err="1" smtClean="0"/>
-              <a:t>vol</a:t>
+              <a:t>Propeller</a:t>
             </a:r>
             <a:endParaRPr lang="en-GB" dirty="0"/>
           </a:p>
@@ -6692,7 +7182,7 @@
     </p:spTree>
     <p:extLst>
       <p:ext uri="{BB962C8B-B14F-4D97-AF65-F5344CB8AC3E}">
-        <p14:creationId xmlns:p14="http://schemas.microsoft.com/office/powerpoint/2010/main" val="3917334322"/>
+        <p14:creationId xmlns:p14="http://schemas.microsoft.com/office/powerpoint/2010/main" val="2693511328"/>
       </p:ext>
     </p:extLst>
   </p:cSld>
@@ -6741,7 +7231,12 @@
           <a:bodyPr/>
           <a:lstStyle/>
           <a:p>
-            <a:endParaRPr lang="en-GB"/>
+            <a:pPr algn="ctr"/>
+            <a:r>
+              <a:rPr lang="ca-ES" dirty="0" smtClean="0"/>
+              <a:t>Suposiciones realizadas para calcular el afterburner. No es mas que otra camara de combustión. Resultados obtenidos. Decision de ponerlo o no ponerlo. </a:t>
+            </a:r>
+            <a:endParaRPr lang="ca-ES" dirty="0"/>
           </a:p>
         </p:txBody>
       </p:sp>
@@ -6785,33 +7280,17 @@
           <a:lstStyle/>
           <a:p>
             <a:r>
-              <a:rPr lang="es-ES" dirty="0" err="1" smtClean="0"/>
-              <a:t>Càlcul</a:t>
-            </a:r>
-            <a:r>
-              <a:rPr lang="es-ES" dirty="0" smtClean="0"/>
-              <a:t> de </a:t>
-            </a:r>
-            <a:r>
-              <a:rPr lang="es-ES" dirty="0" err="1" smtClean="0"/>
-              <a:t>dimensionat</a:t>
-            </a:r>
-            <a:r>
-              <a:rPr lang="es-ES" dirty="0" smtClean="0"/>
-              <a:t> </a:t>
-            </a:r>
-            <a:r>
-              <a:rPr lang="es-ES" dirty="0" err="1" smtClean="0"/>
-              <a:t>d’àrees</a:t>
-            </a:r>
-            <a:endParaRPr lang="en-GB" dirty="0"/>
+              <a:rPr lang="ca-ES" dirty="0" smtClean="0"/>
+              <a:t>Estudi implementació Afterburner</a:t>
+            </a:r>
+            <a:endParaRPr lang="ca-ES" dirty="0"/>
           </a:p>
         </p:txBody>
       </p:sp>
     </p:spTree>
     <p:extLst>
       <p:ext uri="{BB962C8B-B14F-4D97-AF65-F5344CB8AC3E}">
-        <p14:creationId xmlns:p14="http://schemas.microsoft.com/office/powerpoint/2010/main" val="3747056003"/>
+        <p14:creationId xmlns:p14="http://schemas.microsoft.com/office/powerpoint/2010/main" val="615171211"/>
       </p:ext>
     </p:extLst>
   </p:cSld>
@@ -6904,8 +7383,8 @@
           <a:lstStyle/>
           <a:p>
             <a:r>
-              <a:rPr lang="es-ES" dirty="0" err="1" smtClean="0"/>
-              <a:t>Conclusions</a:t>
+              <a:rPr lang="es-ES" dirty="0" smtClean="0"/>
+              <a:t>Motor final</a:t>
             </a:r>
             <a:endParaRPr lang="en-GB" dirty="0"/>
           </a:p>
@@ -6914,7 +7393,7 @@
     </p:spTree>
     <p:extLst>
       <p:ext uri="{BB962C8B-B14F-4D97-AF65-F5344CB8AC3E}">
-        <p14:creationId xmlns:p14="http://schemas.microsoft.com/office/powerpoint/2010/main" val="3967657403"/>
+        <p14:creationId xmlns:p14="http://schemas.microsoft.com/office/powerpoint/2010/main" val="3917334322"/>
       </p:ext>
     </p:extLst>
   </p:cSld>

--- a/ppt/Exposició.pptx
+++ b/ppt/Exposició.pptx
@@ -278,7 +278,7 @@
           <a:p>
             <a:fld id="{51495077-BF1D-4EBE-8599-786AEE127F2C}" type="slidenum">
               <a:rPr lang="en-GB" smtClean="0"/>
-              <a:t>‹#›</a:t>
+              <a:t>‹Nº›</a:t>
             </a:fld>
             <a:endParaRPr lang="en-GB"/>
           </a:p>
@@ -536,7 +536,7 @@
           <a:p>
             <a:fld id="{B12494AD-35E3-4466-BE28-33F71F724176}" type="slidenum">
               <a:rPr lang="en-GB" smtClean="0"/>
-              <a:t>‹#›</a:t>
+              <a:t>‹Nº›</a:t>
             </a:fld>
             <a:endParaRPr lang="en-GB"/>
           </a:p>
@@ -740,7 +740,7 @@
           <a:effectLst/>
           <a:extLst>
             <a:ext uri="{91240B29-F687-4f45-9708-019B960494DF}">
-              <a14:hiddenLine xmlns:a14="http://schemas.microsoft.com/office/drawing/2010/main" xmlns="" w="9525">
+              <a14:hiddenLine xmlns="" xmlns:a14="http://schemas.microsoft.com/office/drawing/2010/main" w="9525">
                 <a:solidFill>
                   <a:srgbClr val="000000"/>
                 </a:solidFill>
@@ -975,7 +975,7 @@
             <a:fld id="{D57F1E4F-1CFF-5643-939E-217C01CDF565}" type="slidenum">
               <a:rPr lang="en-US" dirty="0"/>
               <a:pPr/>
-              <a:t>‹#›</a:t>
+              <a:t>‹Nº›</a:t>
             </a:fld>
             <a:endParaRPr lang="en-US" dirty="0"/>
           </a:p>
@@ -1296,7 +1296,7 @@
             <a:fld id="{D57F1E4F-1CFF-5643-939E-217C01CDF565}" type="slidenum">
               <a:rPr lang="en-US" dirty="0"/>
               <a:pPr/>
-              <a:t>‹#›</a:t>
+              <a:t>‹Nº›</a:t>
             </a:fld>
             <a:endParaRPr lang="en-US" dirty="0"/>
           </a:p>
@@ -1780,7 +1780,7 @@
             <a:fld id="{D57F1E4F-1CFF-5643-939E-217C01CDF565}" type="slidenum">
               <a:rPr lang="en-US" dirty="0"/>
               <a:pPr/>
-              <a:t>‹#›</a:t>
+              <a:t>‹Nº›</a:t>
             </a:fld>
             <a:endParaRPr lang="en-US" dirty="0"/>
           </a:p>
@@ -2145,7 +2145,7 @@
             <a:fld id="{D57F1E4F-1CFF-5643-939E-217C01CDF565}" type="slidenum">
               <a:rPr lang="en-US" dirty="0"/>
               <a:pPr/>
-              <a:t>‹#›</a:t>
+              <a:t>‹Nº›</a:t>
             </a:fld>
             <a:endParaRPr lang="en-US" dirty="0"/>
           </a:p>
@@ -2253,7 +2253,7 @@
           <a:ln/>
           <a:extLst>
             <a:ext uri="{91240B29-F687-4f45-9708-019B960494DF}">
-              <a14:hiddenLine xmlns:a14="http://schemas.microsoft.com/office/drawing/2010/main" xmlns="" w="9525">
+              <a14:hiddenLine xmlns="" xmlns:a14="http://schemas.microsoft.com/office/drawing/2010/main" w="9525">
                 <a:solidFill>
                   <a:srgbClr val="000000"/>
                 </a:solidFill>
@@ -2414,7 +2414,7 @@
             <a:fld id="{D57F1E4F-1CFF-5643-939E-217C01CDF565}" type="slidenum">
               <a:rPr lang="en-US" dirty="0"/>
               <a:pPr/>
-              <a:t>‹#›</a:t>
+              <a:t>‹Nº›</a:t>
             </a:fld>
             <a:endParaRPr lang="en-US" dirty="0"/>
           </a:p>
@@ -2524,7 +2524,7 @@
           <a:ln/>
           <a:extLst>
             <a:ext uri="{91240B29-F687-4f45-9708-019B960494DF}">
-              <a14:hiddenLine xmlns:a14="http://schemas.microsoft.com/office/drawing/2010/main" xmlns="" w="9525">
+              <a14:hiddenLine xmlns="" xmlns:a14="http://schemas.microsoft.com/office/drawing/2010/main" w="9525">
                 <a:solidFill>
                   <a:srgbClr val="000000"/>
                 </a:solidFill>
@@ -2695,7 +2695,7 @@
             <a:fld id="{D57F1E4F-1CFF-5643-939E-217C01CDF565}" type="slidenum">
               <a:rPr lang="en-US" dirty="0"/>
               <a:pPr/>
-              <a:t>‹#›</a:t>
+              <a:t>‹Nº›</a:t>
             </a:fld>
             <a:endParaRPr lang="en-US" dirty="0"/>
           </a:p>
@@ -2803,7 +2803,7 @@
           <a:ln/>
           <a:extLst>
             <a:ext uri="{91240B29-F687-4f45-9708-019B960494DF}">
-              <a14:hiddenLine xmlns:a14="http://schemas.microsoft.com/office/drawing/2010/main" xmlns="" w="9525">
+              <a14:hiddenLine xmlns="" xmlns:a14="http://schemas.microsoft.com/office/drawing/2010/main" w="9525">
                 <a:solidFill>
                   <a:srgbClr val="000000"/>
                 </a:solidFill>
@@ -2951,7 +2951,7 @@
             <a:fld id="{D57F1E4F-1CFF-5643-939E-217C01CDF565}" type="slidenum">
               <a:rPr lang="en-US" smtClean="0"/>
               <a:pPr/>
-              <a:t>‹#›</a:t>
+              <a:t>‹Nº›</a:t>
             </a:fld>
             <a:endParaRPr lang="en-US" dirty="0"/>
           </a:p>
@@ -3357,7 +3357,7 @@
             <a:fld id="{D57F1E4F-1CFF-5643-939E-217C01CDF565}" type="slidenum">
               <a:rPr lang="en-US" dirty="0"/>
               <a:pPr/>
-              <a:t>‹#›</a:t>
+              <a:t>‹Nº›</a:t>
             </a:fld>
             <a:endParaRPr lang="en-US" dirty="0"/>
           </a:p>
@@ -3472,7 +3472,7 @@
           <a:ln/>
           <a:extLst>
             <a:ext uri="{91240B29-F687-4f45-9708-019B960494DF}">
-              <a14:hiddenLine xmlns:a14="http://schemas.microsoft.com/office/drawing/2010/main" xmlns="" w="9525">
+              <a14:hiddenLine xmlns="" xmlns:a14="http://schemas.microsoft.com/office/drawing/2010/main" w="9525">
                 <a:solidFill>
                   <a:srgbClr val="000000"/>
                 </a:solidFill>
@@ -3699,7 +3699,7 @@
             <a:fld id="{D57F1E4F-1CFF-5643-939E-217C01CDF565}" type="slidenum">
               <a:rPr lang="en-US" dirty="0"/>
               <a:pPr/>
-              <a:t>‹#›</a:t>
+              <a:t>‹Nº›</a:t>
             </a:fld>
             <a:endParaRPr lang="en-US" dirty="0"/>
           </a:p>
@@ -3814,7 +3814,7 @@
           <a:ln/>
           <a:extLst>
             <a:ext uri="{91240B29-F687-4f45-9708-019B960494DF}">
-              <a14:hiddenLine xmlns:a14="http://schemas.microsoft.com/office/drawing/2010/main" xmlns="" w="9525">
+              <a14:hiddenLine xmlns="" xmlns:a14="http://schemas.microsoft.com/office/drawing/2010/main" w="9525">
                 <a:solidFill>
                   <a:srgbClr val="000000"/>
                 </a:solidFill>
@@ -4179,7 +4179,7 @@
             <a:fld id="{D57F1E4F-1CFF-5643-939E-217C01CDF565}" type="slidenum">
               <a:rPr lang="en-US" dirty="0"/>
               <a:pPr/>
-              <a:t>‹#›</a:t>
+              <a:t>‹Nº›</a:t>
             </a:fld>
             <a:endParaRPr lang="en-US" dirty="0"/>
           </a:p>
@@ -4287,7 +4287,7 @@
           <a:ln/>
           <a:extLst>
             <a:ext uri="{91240B29-F687-4f45-9708-019B960494DF}">
-              <a14:hiddenLine xmlns:a14="http://schemas.microsoft.com/office/drawing/2010/main" xmlns="" w="9525">
+              <a14:hiddenLine xmlns="" xmlns:a14="http://schemas.microsoft.com/office/drawing/2010/main" w="9525">
                 <a:solidFill>
                   <a:srgbClr val="000000"/>
                 </a:solidFill>
@@ -4396,7 +4396,7 @@
             <a:fld id="{D57F1E4F-1CFF-5643-939E-217C01CDF565}" type="slidenum">
               <a:rPr lang="en-US" dirty="0"/>
               <a:pPr/>
-              <a:t>‹#›</a:t>
+              <a:t>‹Nº›</a:t>
             </a:fld>
             <a:endParaRPr lang="en-US" dirty="0"/>
           </a:p>
@@ -4494,7 +4494,7 @@
             <a:fld id="{D57F1E4F-1CFF-5643-939E-217C01CDF565}" type="slidenum">
               <a:rPr lang="en-US" dirty="0"/>
               <a:pPr/>
-              <a:t>‹#›</a:t>
+              <a:t>‹Nº›</a:t>
             </a:fld>
             <a:endParaRPr lang="en-US" dirty="0"/>
           </a:p>
@@ -4722,7 +4722,7 @@
           <a:ln/>
           <a:extLst>
             <a:ext uri="{91240B29-F687-4f45-9708-019B960494DF}">
-              <a14:hiddenLine xmlns:a14="http://schemas.microsoft.com/office/drawing/2010/main" xmlns="" w="9525">
+              <a14:hiddenLine xmlns="" xmlns:a14="http://schemas.microsoft.com/office/drawing/2010/main" w="9525">
                 <a:solidFill>
                   <a:srgbClr val="000000"/>
                 </a:solidFill>
@@ -4964,7 +4964,7 @@
             <a:fld id="{D57F1E4F-1CFF-5643-939E-217C01CDF565}" type="slidenum">
               <a:rPr lang="en-US" dirty="0"/>
               <a:pPr/>
-              <a:t>‹#›</a:t>
+              <a:t>‹Nº›</a:t>
             </a:fld>
             <a:endParaRPr lang="en-US" dirty="0"/>
           </a:p>
@@ -5283,7 +5283,7 @@
             <a:fld id="{D57F1E4F-1CFF-5643-939E-217C01CDF565}" type="slidenum">
               <a:rPr lang="en-US" dirty="0"/>
               <a:pPr/>
-              <a:t>‹#›</a:t>
+              <a:t>‹Nº›</a:t>
             </a:fld>
             <a:endParaRPr lang="en-US" dirty="0"/>
           </a:p>
@@ -5536,7 +5536,7 @@
             <a:fld id="{D57F1E4F-1CFF-5643-939E-217C01CDF565}" type="slidenum">
               <a:rPr lang="en-US" dirty="0"/>
               <a:pPr/>
-              <a:t>‹#›</a:t>
+              <a:t>‹Nº›</a:t>
             </a:fld>
             <a:endParaRPr lang="en-US" dirty="0"/>
           </a:p>
@@ -6774,6 +6774,30 @@
           </a:p>
         </p:txBody>
       </p:sp>
+      <p:pic>
+        <p:nvPicPr>
+          <p:cNvPr id="2" name="Imagen 1"/>
+          <p:cNvPicPr>
+            <a:picLocks noChangeAspect="1"/>
+          </p:cNvPicPr>
+          <p:nvPr/>
+        </p:nvPicPr>
+        <p:blipFill>
+          <a:blip r:embed="rId2"/>
+          <a:stretch>
+            <a:fillRect/>
+          </a:stretch>
+        </p:blipFill>
+        <p:spPr>
+          <a:xfrm>
+            <a:off x="4690534" y="2045170"/>
+            <a:ext cx="2250198" cy="4693093"/>
+          </a:xfrm>
+          <a:prstGeom prst="rect">
+            <a:avLst/>
+          </a:prstGeom>
+        </p:spPr>
+      </p:pic>
     </p:spTree>
     <p:extLst>
       <p:ext uri="{BB962C8B-B14F-4D97-AF65-F5344CB8AC3E}">
@@ -6811,53 +6835,118 @@
           <a:chExt cx="0" cy="0"/>
         </a:xfrm>
       </p:grpSpPr>
-      <p:sp>
-        <p:nvSpPr>
-          <p:cNvPr id="2" name="Marcador de contenido 1"/>
-          <p:cNvSpPr>
-            <a:spLocks noGrp="1"/>
-          </p:cNvSpPr>
-          <p:nvPr>
-            <p:ph idx="1"/>
-          </p:nvPr>
-        </p:nvSpPr>
-        <p:spPr/>
-        <p:txBody>
-          <a:bodyPr/>
-          <a:lstStyle/>
-          <a:p>
-            <a:r>
-              <a:rPr lang="es-ES" dirty="0" smtClean="0"/>
-              <a:t>Resultados para el </a:t>
-            </a:r>
-            <a:r>
-              <a:rPr lang="es-ES" dirty="0" err="1" smtClean="0"/>
-              <a:t>motro</a:t>
-            </a:r>
-            <a:r>
-              <a:rPr lang="es-ES" dirty="0" smtClean="0"/>
-              <a:t> real: Pis i Taus, Mach de salida del primario i del secundario. Fuerza adimensional, flujos </a:t>
-            </a:r>
-            <a:r>
-              <a:rPr lang="es-ES" dirty="0" err="1" smtClean="0"/>
-              <a:t>masicos</a:t>
-            </a:r>
-            <a:r>
-              <a:rPr lang="es-ES" dirty="0" smtClean="0"/>
-              <a:t>. Comentar que se ha considerado la dependencia de </a:t>
-            </a:r>
-            <a:r>
-              <a:rPr lang="es-ES" dirty="0" err="1" smtClean="0"/>
-              <a:t>Cp</a:t>
-            </a:r>
-            <a:r>
-              <a:rPr lang="es-ES" dirty="0" smtClean="0"/>
-              <a:t> con la temperatura y no se han hecho simplificaciones.</a:t>
-            </a:r>
-            <a:endParaRPr lang="en-GB" dirty="0"/>
-          </a:p>
-        </p:txBody>
-      </p:sp>
+      <mc:AlternateContent xmlns:mc="http://schemas.openxmlformats.org/markup-compatibility/2006">
+        <mc:Choice xmlns:a14="http://schemas.microsoft.com/office/drawing/2010/main" Requires="a14">
+          <p:sp>
+            <p:nvSpPr>
+              <p:cNvPr id="2" name="Marcador de contenido 1"/>
+              <p:cNvSpPr>
+                <a:spLocks noGrp="1"/>
+              </p:cNvSpPr>
+              <p:nvPr>
+                <p:ph idx="1"/>
+              </p:nvPr>
+            </p:nvSpPr>
+            <p:spPr/>
+            <p:txBody>
+              <a:bodyPr/>
+              <a:lstStyle/>
+              <a:p>
+                <a:r>
+                  <a:rPr lang="es-ES" dirty="0" smtClean="0"/>
+                  <a:t>Resultados para el motor </a:t>
+                </a:r>
+                <a:r>
+                  <a:rPr lang="es-ES" dirty="0" smtClean="0"/>
+                  <a:t>real: </a:t>
+                </a:r>
+                <a14:m>
+                  <m:oMath xmlns:m="http://schemas.openxmlformats.org/officeDocument/2006/math">
+                    <m:r>
+                      <a:rPr lang="es-ES" b="0" i="1" smtClean="0">
+                        <a:latin typeface="Cambria Math" panose="02040503050406030204" pitchFamily="18" charset="0"/>
+                      </a:rPr>
+                      <m:t>𝜋</m:t>
+                    </m:r>
+                  </m:oMath>
+                </a14:m>
+                <a:r>
+                  <a:rPr lang="es-ES" dirty="0" smtClean="0"/>
+                  <a:t>’s i </a:t>
+                </a:r>
+                <a14:m>
+                  <m:oMath xmlns:m="http://schemas.openxmlformats.org/officeDocument/2006/math">
+                    <m:r>
+                      <a:rPr lang="es-ES" b="0" i="1" smtClean="0">
+                        <a:latin typeface="Cambria Math" panose="02040503050406030204" pitchFamily="18" charset="0"/>
+                      </a:rPr>
+                      <m:t>𝜏</m:t>
+                    </m:r>
+                  </m:oMath>
+                </a14:m>
+                <a:r>
+                  <a:rPr lang="es-ES" dirty="0" smtClean="0"/>
+                  <a:t>’s, Mach de </a:t>
+                </a:r>
+                <a:r>
+                  <a:rPr lang="es-ES" dirty="0" smtClean="0"/>
+                  <a:t>salida del primario i del secundario. Fuerza adimensional, flujos </a:t>
+                </a:r>
+                <a:r>
+                  <a:rPr lang="es-ES" dirty="0" err="1" smtClean="0"/>
+                  <a:t>masicos</a:t>
+                </a:r>
+                <a:r>
+                  <a:rPr lang="es-ES" dirty="0" smtClean="0"/>
+                  <a:t>. Comentar que se ha considerado la dependencia de </a:t>
+                </a:r>
+                <a:r>
+                  <a:rPr lang="es-ES" dirty="0" err="1" smtClean="0"/>
+                  <a:t>Cp</a:t>
+                </a:r>
+                <a:r>
+                  <a:rPr lang="es-ES" dirty="0" smtClean="0"/>
+                  <a:t> con la temperatura y no se han hecho simplificaciones.</a:t>
+                </a:r>
+                <a:endParaRPr lang="en-GB" dirty="0"/>
+              </a:p>
+            </p:txBody>
+          </p:sp>
+        </mc:Choice>
+        <mc:Fallback>
+          <p:sp>
+            <p:nvSpPr>
+              <p:cNvPr id="2" name="Marcador de contenido 1"/>
+              <p:cNvSpPr>
+                <a:spLocks noGrp="1" noRot="1" noChangeAspect="1" noMove="1" noResize="1" noEditPoints="1" noAdjustHandles="1" noChangeArrowheads="1" noChangeShapeType="1" noTextEdit="1"/>
+              </p:cNvSpPr>
+              <p:nvPr>
+                <p:ph idx="1"/>
+              </p:nvPr>
+            </p:nvSpPr>
+            <p:spPr>
+              <a:blipFill>
+                <a:blip r:embed="rId2"/>
+                <a:stretch>
+                  <a:fillRect/>
+                </a:stretch>
+              </a:blipFill>
+            </p:spPr>
+            <p:txBody>
+              <a:bodyPr/>
+              <a:lstStyle/>
+              <a:p>
+                <a:r>
+                  <a:rPr lang="en-GB">
+                    <a:noFill/>
+                  </a:rPr>
+                  <a:t> </a:t>
+                </a:r>
+              </a:p>
+            </p:txBody>
+          </p:sp>
+        </mc:Fallback>
+      </mc:AlternateContent>
       <p:sp>
         <p:nvSpPr>
           <p:cNvPr id="3" name="Marcador de número de diapositiva 2"/>
@@ -7095,7 +7184,12 @@
             <p:ph idx="1"/>
           </p:nvPr>
         </p:nvSpPr>
-        <p:spPr/>
+        <p:spPr>
+          <a:xfrm>
+            <a:off x="818712" y="2222287"/>
+            <a:ext cx="10554574" cy="1348227"/>
+          </a:xfrm>
+        </p:spPr>
         <p:txBody>
           <a:bodyPr/>
           <a:lstStyle/>
@@ -7179,6 +7273,274 @@
           </a:p>
         </p:txBody>
       </p:sp>
+      <p:pic>
+        <p:nvPicPr>
+          <p:cNvPr id="6" name="Imagen 5"/>
+          <p:cNvPicPr>
+            <a:picLocks noChangeAspect="1"/>
+          </p:cNvPicPr>
+          <p:nvPr/>
+        </p:nvPicPr>
+        <p:blipFill>
+          <a:blip r:embed="rId2"/>
+          <a:stretch>
+            <a:fillRect/>
+          </a:stretch>
+        </p:blipFill>
+        <p:spPr>
+          <a:xfrm>
+            <a:off x="618410" y="3760913"/>
+            <a:ext cx="2743438" cy="2331922"/>
+          </a:xfrm>
+          <a:prstGeom prst="rect">
+            <a:avLst/>
+          </a:prstGeom>
+        </p:spPr>
+      </p:pic>
+      <p:pic>
+        <p:nvPicPr>
+          <p:cNvPr id="7" name="Imagen 6"/>
+          <p:cNvPicPr>
+            <a:picLocks noChangeAspect="1"/>
+          </p:cNvPicPr>
+          <p:nvPr/>
+        </p:nvPicPr>
+        <p:blipFill>
+          <a:blip r:embed="rId3"/>
+          <a:stretch>
+            <a:fillRect/>
+          </a:stretch>
+        </p:blipFill>
+        <p:spPr>
+          <a:xfrm>
+            <a:off x="3870842" y="3760913"/>
+            <a:ext cx="2743438" cy="2331922"/>
+          </a:xfrm>
+          <a:prstGeom prst="rect">
+            <a:avLst/>
+          </a:prstGeom>
+        </p:spPr>
+      </p:pic>
+      <p:sp>
+        <p:nvSpPr>
+          <p:cNvPr id="8" name="Rectángulo 7"/>
+          <p:cNvSpPr/>
+          <p:nvPr/>
+        </p:nvSpPr>
+        <p:spPr>
+          <a:xfrm>
+            <a:off x="609703" y="6092835"/>
+            <a:ext cx="2637260" cy="369332"/>
+          </a:xfrm>
+          <a:prstGeom prst="rect">
+            <a:avLst/>
+          </a:prstGeom>
+        </p:spPr>
+        <p:txBody>
+          <a:bodyPr wrap="none">
+            <a:spAutoFit/>
+          </a:bodyPr>
+          <a:lstStyle/>
+          <a:p>
+            <a:r>
+              <a:rPr lang="es-ES" dirty="0"/>
+              <a:t>optimizando la salida </a:t>
+            </a:r>
+            <a:endParaRPr lang="en-GB" dirty="0"/>
+          </a:p>
+        </p:txBody>
+      </p:sp>
+      <p:sp>
+        <p:nvSpPr>
+          <p:cNvPr id="9" name="Rectángulo 8"/>
+          <p:cNvSpPr/>
+          <p:nvPr/>
+        </p:nvSpPr>
+        <p:spPr>
+          <a:xfrm>
+            <a:off x="4449716" y="6092835"/>
+            <a:ext cx="1585690" cy="369332"/>
+          </a:xfrm>
+          <a:prstGeom prst="rect">
+            <a:avLst/>
+          </a:prstGeom>
+        </p:spPr>
+        <p:txBody>
+          <a:bodyPr wrap="none">
+            <a:spAutoFit/>
+          </a:bodyPr>
+          <a:lstStyle/>
+          <a:p>
+            <a:r>
+              <a:rPr lang="es-ES" dirty="0"/>
+              <a:t>turbina igual</a:t>
+            </a:r>
+            <a:endParaRPr lang="en-GB" dirty="0"/>
+          </a:p>
+        </p:txBody>
+      </p:sp>
+      <p:pic>
+        <p:nvPicPr>
+          <p:cNvPr id="10" name="Imagen 9"/>
+          <p:cNvPicPr>
+            <a:picLocks noChangeAspect="1"/>
+          </p:cNvPicPr>
+          <p:nvPr/>
+        </p:nvPicPr>
+        <p:blipFill>
+          <a:blip r:embed="rId4"/>
+          <a:stretch>
+            <a:fillRect/>
+          </a:stretch>
+        </p:blipFill>
+        <p:spPr>
+          <a:xfrm>
+            <a:off x="7492510" y="3753292"/>
+            <a:ext cx="2972058" cy="2339543"/>
+          </a:xfrm>
+          <a:prstGeom prst="rect">
+            <a:avLst/>
+          </a:prstGeom>
+        </p:spPr>
+      </p:pic>
+      <mc:AlternateContent xmlns:mc="http://schemas.openxmlformats.org/markup-compatibility/2006">
+        <mc:Choice xmlns:a14="http://schemas.microsoft.com/office/drawing/2010/main" Requires="a14">
+          <p:sp>
+            <p:nvSpPr>
+              <p:cNvPr id="11" name="Rectángulo 10"/>
+              <p:cNvSpPr/>
+              <p:nvPr/>
+            </p:nvSpPr>
+            <p:spPr>
+              <a:xfrm>
+                <a:off x="7492510" y="6161187"/>
+                <a:ext cx="1971758" cy="667747"/>
+              </a:xfrm>
+              <a:prstGeom prst="rect">
+                <a:avLst/>
+              </a:prstGeom>
+            </p:spPr>
+            <p:txBody>
+              <a:bodyPr wrap="none">
+                <a:spAutoFit/>
+              </a:bodyPr>
+              <a:lstStyle/>
+              <a:p>
+                <a14:m>
+                  <m:oMathPara xmlns:m="http://schemas.openxmlformats.org/officeDocument/2006/math">
+                    <m:oMathParaPr>
+                      <m:jc m:val="centerGroup"/>
+                    </m:oMathParaPr>
+                    <m:oMath xmlns:m="http://schemas.openxmlformats.org/officeDocument/2006/math">
+                      <m:r>
+                        <a:rPr lang="es-ES" i="1" smtClean="0">
+                          <a:latin typeface="Cambria Math" panose="02040503050406030204" pitchFamily="18" charset="0"/>
+                        </a:rPr>
+                        <m:t>𝑛</m:t>
+                      </m:r>
+                      <m:r>
+                        <m:rPr>
+                          <m:nor/>
+                        </m:rPr>
+                        <a:rPr lang="en-GB" dirty="0"/>
+                        <m:t>=5060 </m:t>
+                      </m:r>
+                      <m:r>
+                        <m:rPr>
+                          <m:nor/>
+                        </m:rPr>
+                        <a:rPr lang="en-GB" dirty="0"/>
+                        <m:t>rpm</m:t>
+                      </m:r>
+                    </m:oMath>
+                  </m:oMathPara>
+                </a14:m>
+                <a:endParaRPr lang="en-GB" dirty="0" smtClean="0"/>
+              </a:p>
+              <a:p>
+                <a14:m>
+                  <m:oMath xmlns:m="http://schemas.openxmlformats.org/officeDocument/2006/math">
+                    <m:sSub>
+                      <m:sSubPr>
+                        <m:ctrlPr>
+                          <a:rPr lang="es-ES" b="0" i="1" smtClean="0">
+                            <a:latin typeface="Cambria Math" panose="02040503050406030204" pitchFamily="18" charset="0"/>
+                          </a:rPr>
+                        </m:ctrlPr>
+                      </m:sSubPr>
+                      <m:e>
+                        <m:r>
+                          <a:rPr lang="es-ES" b="0" i="1" smtClean="0">
+                            <a:latin typeface="Cambria Math" panose="02040503050406030204" pitchFamily="18" charset="0"/>
+                          </a:rPr>
+                          <m:t>𝑣</m:t>
+                        </m:r>
+                      </m:e>
+                      <m:sub>
+                        <m:r>
+                          <a:rPr lang="es-ES" b="0" i="1" smtClean="0">
+                            <a:latin typeface="Cambria Math" panose="02040503050406030204" pitchFamily="18" charset="0"/>
+                          </a:rPr>
+                          <m:t>𝑡𝑖𝑝</m:t>
+                        </m:r>
+                      </m:sub>
+                    </m:sSub>
+                    <m:r>
+                      <a:rPr lang="es-ES" b="0" i="1" smtClean="0">
+                        <a:latin typeface="Cambria Math" panose="02040503050406030204" pitchFamily="18" charset="0"/>
+                      </a:rPr>
+                      <m:t>=</m:t>
+                    </m:r>
+                  </m:oMath>
+                </a14:m>
+                <a:r>
+                  <a:rPr lang="en-GB" dirty="0" smtClean="0"/>
+                  <a:t> 688.98m/s</a:t>
+                </a:r>
+                <a:endParaRPr lang="en-GB" dirty="0"/>
+              </a:p>
+            </p:txBody>
+          </p:sp>
+        </mc:Choice>
+        <mc:Fallback>
+          <p:sp>
+            <p:nvSpPr>
+              <p:cNvPr id="11" name="Rectángulo 10"/>
+              <p:cNvSpPr>
+                <a:spLocks noRot="1" noChangeAspect="1" noMove="1" noResize="1" noEditPoints="1" noAdjustHandles="1" noChangeArrowheads="1" noChangeShapeType="1" noTextEdit="1"/>
+              </p:cNvSpPr>
+              <p:nvPr/>
+            </p:nvSpPr>
+            <p:spPr>
+              <a:xfrm>
+                <a:off x="7492510" y="6161187"/>
+                <a:ext cx="1971758" cy="667747"/>
+              </a:xfrm>
+              <a:prstGeom prst="rect">
+                <a:avLst/>
+              </a:prstGeom>
+              <a:blipFill>
+                <a:blip r:embed="rId5"/>
+                <a:stretch>
+                  <a:fillRect r="-2469" b="-10092"/>
+                </a:stretch>
+              </a:blipFill>
+            </p:spPr>
+            <p:txBody>
+              <a:bodyPr/>
+              <a:lstStyle/>
+              <a:p>
+                <a:r>
+                  <a:rPr lang="en-GB">
+                    <a:noFill/>
+                  </a:rPr>
+                  <a:t> </a:t>
+                </a:r>
+              </a:p>
+            </p:txBody>
+          </p:sp>
+        </mc:Fallback>
+      </mc:AlternateContent>
     </p:spTree>
     <p:extLst>
       <p:ext uri="{BB962C8B-B14F-4D97-AF65-F5344CB8AC3E}">
@@ -7226,7 +7588,12 @@
             <p:ph idx="1"/>
           </p:nvPr>
         </p:nvSpPr>
-        <p:spPr/>
+        <p:spPr>
+          <a:xfrm>
+            <a:off x="818712" y="2222288"/>
+            <a:ext cx="10554574" cy="1548524"/>
+          </a:xfrm>
+        </p:spPr>
         <p:txBody>
           <a:bodyPr/>
           <a:lstStyle/>
@@ -7287,6 +7654,30 @@
           </a:p>
         </p:txBody>
       </p:sp>
+      <p:pic>
+        <p:nvPicPr>
+          <p:cNvPr id="5" name="Imagen 4"/>
+          <p:cNvPicPr>
+            <a:picLocks noChangeAspect="1"/>
+          </p:cNvPicPr>
+          <p:nvPr/>
+        </p:nvPicPr>
+        <p:blipFill>
+          <a:blip r:embed="rId2"/>
+          <a:stretch>
+            <a:fillRect/>
+          </a:stretch>
+        </p:blipFill>
+        <p:spPr>
+          <a:xfrm>
+            <a:off x="2998789" y="3527385"/>
+            <a:ext cx="5166808" cy="3025402"/>
+          </a:xfrm>
+          <a:prstGeom prst="rect">
+            <a:avLst/>
+          </a:prstGeom>
+        </p:spPr>
+      </p:pic>
     </p:spTree>
     <p:extLst>
       <p:ext uri="{BB962C8B-B14F-4D97-AF65-F5344CB8AC3E}">

--- a/ppt/Exposició.pptx
+++ b/ppt/Exposició.pptx
@@ -14,13 +14,13 @@
     <p:sldId id="256" r:id="rId2"/>
     <p:sldId id="258" r:id="rId3"/>
     <p:sldId id="259" r:id="rId4"/>
-    <p:sldId id="266" r:id="rId5"/>
+    <p:sldId id="268" r:id="rId5"/>
     <p:sldId id="260" r:id="rId6"/>
     <p:sldId id="267" r:id="rId7"/>
     <p:sldId id="261" r:id="rId8"/>
     <p:sldId id="262" r:id="rId9"/>
     <p:sldId id="263" r:id="rId10"/>
-    <p:sldId id="265" r:id="rId11"/>
+    <p:sldId id="269" r:id="rId11"/>
   </p:sldIdLst>
   <p:sldSz cx="12192000" cy="6858000"/>
   <p:notesSz cx="6858000" cy="9144000"/>
@@ -278,7 +278,7 @@
           <a:p>
             <a:fld id="{51495077-BF1D-4EBE-8599-786AEE127F2C}" type="slidenum">
               <a:rPr lang="en-GB" smtClean="0"/>
-              <a:t>‹Nº›</a:t>
+              <a:t>‹#›</a:t>
             </a:fld>
             <a:endParaRPr lang="en-GB"/>
           </a:p>
@@ -536,7 +536,7 @@
           <a:p>
             <a:fld id="{B12494AD-35E3-4466-BE28-33F71F724176}" type="slidenum">
               <a:rPr lang="en-GB" smtClean="0"/>
-              <a:t>‹Nº›</a:t>
+              <a:t>‹#›</a:t>
             </a:fld>
             <a:endParaRPr lang="en-GB"/>
           </a:p>
@@ -740,7 +740,7 @@
           <a:effectLst/>
           <a:extLst>
             <a:ext uri="{91240B29-F687-4f45-9708-019B960494DF}">
-              <a14:hiddenLine xmlns="" xmlns:a14="http://schemas.microsoft.com/office/drawing/2010/main" w="9525">
+              <a14:hiddenLine xmlns:a14="http://schemas.microsoft.com/office/drawing/2010/main" xmlns="" w="9525">
                 <a:solidFill>
                   <a:srgbClr val="000000"/>
                 </a:solidFill>
@@ -975,7 +975,7 @@
             <a:fld id="{D57F1E4F-1CFF-5643-939E-217C01CDF565}" type="slidenum">
               <a:rPr lang="en-US" dirty="0"/>
               <a:pPr/>
-              <a:t>‹Nº›</a:t>
+              <a:t>‹#›</a:t>
             </a:fld>
             <a:endParaRPr lang="en-US" dirty="0"/>
           </a:p>
@@ -1296,7 +1296,7 @@
             <a:fld id="{D57F1E4F-1CFF-5643-939E-217C01CDF565}" type="slidenum">
               <a:rPr lang="en-US" dirty="0"/>
               <a:pPr/>
-              <a:t>‹Nº›</a:t>
+              <a:t>‹#›</a:t>
             </a:fld>
             <a:endParaRPr lang="en-US" dirty="0"/>
           </a:p>
@@ -1780,7 +1780,7 @@
             <a:fld id="{D57F1E4F-1CFF-5643-939E-217C01CDF565}" type="slidenum">
               <a:rPr lang="en-US" dirty="0"/>
               <a:pPr/>
-              <a:t>‹Nº›</a:t>
+              <a:t>‹#›</a:t>
             </a:fld>
             <a:endParaRPr lang="en-US" dirty="0"/>
           </a:p>
@@ -2145,7 +2145,7 @@
             <a:fld id="{D57F1E4F-1CFF-5643-939E-217C01CDF565}" type="slidenum">
               <a:rPr lang="en-US" dirty="0"/>
               <a:pPr/>
-              <a:t>‹Nº›</a:t>
+              <a:t>‹#›</a:t>
             </a:fld>
             <a:endParaRPr lang="en-US" dirty="0"/>
           </a:p>
@@ -2253,7 +2253,7 @@
           <a:ln/>
           <a:extLst>
             <a:ext uri="{91240B29-F687-4f45-9708-019B960494DF}">
-              <a14:hiddenLine xmlns="" xmlns:a14="http://schemas.microsoft.com/office/drawing/2010/main" w="9525">
+              <a14:hiddenLine xmlns:a14="http://schemas.microsoft.com/office/drawing/2010/main" xmlns="" w="9525">
                 <a:solidFill>
                   <a:srgbClr val="000000"/>
                 </a:solidFill>
@@ -2414,7 +2414,7 @@
             <a:fld id="{D57F1E4F-1CFF-5643-939E-217C01CDF565}" type="slidenum">
               <a:rPr lang="en-US" dirty="0"/>
               <a:pPr/>
-              <a:t>‹Nº›</a:t>
+              <a:t>‹#›</a:t>
             </a:fld>
             <a:endParaRPr lang="en-US" dirty="0"/>
           </a:p>
@@ -2524,7 +2524,7 @@
           <a:ln/>
           <a:extLst>
             <a:ext uri="{91240B29-F687-4f45-9708-019B960494DF}">
-              <a14:hiddenLine xmlns="" xmlns:a14="http://schemas.microsoft.com/office/drawing/2010/main" w="9525">
+              <a14:hiddenLine xmlns:a14="http://schemas.microsoft.com/office/drawing/2010/main" xmlns="" w="9525">
                 <a:solidFill>
                   <a:srgbClr val="000000"/>
                 </a:solidFill>
@@ -2695,7 +2695,7 @@
             <a:fld id="{D57F1E4F-1CFF-5643-939E-217C01CDF565}" type="slidenum">
               <a:rPr lang="en-US" dirty="0"/>
               <a:pPr/>
-              <a:t>‹Nº›</a:t>
+              <a:t>‹#›</a:t>
             </a:fld>
             <a:endParaRPr lang="en-US" dirty="0"/>
           </a:p>
@@ -2735,7 +2735,7 @@
         <p:spPr bwMode="auto">
           <a:xfrm>
             <a:off x="0" y="0"/>
-            <a:ext cx="12192000" cy="2185988"/>
+            <a:ext cx="12192000" cy="1417638"/>
           </a:xfrm>
           <a:custGeom>
             <a:avLst/>
@@ -2803,7 +2803,7 @@
           <a:ln/>
           <a:extLst>
             <a:ext uri="{91240B29-F687-4f45-9708-019B960494DF}">
-              <a14:hiddenLine xmlns="" xmlns:a14="http://schemas.microsoft.com/office/drawing/2010/main" w="9525">
+              <a14:hiddenLine xmlns:a14="http://schemas.microsoft.com/office/drawing/2010/main" xmlns="" w="9525">
                 <a:solidFill>
                   <a:srgbClr val="000000"/>
                 </a:solidFill>
@@ -2951,7 +2951,7 @@
             <a:fld id="{D57F1E4F-1CFF-5643-939E-217C01CDF565}" type="slidenum">
               <a:rPr lang="en-US" smtClean="0"/>
               <a:pPr/>
-              <a:t>‹Nº›</a:t>
+              <a:t>‹#›</a:t>
             </a:fld>
             <a:endParaRPr lang="en-US" dirty="0"/>
           </a:p>
@@ -2967,16 +2967,21 @@
             <p:ph type="title"/>
           </p:nvPr>
         </p:nvSpPr>
-        <p:spPr/>
+        <p:spPr>
+          <a:xfrm>
+            <a:off x="801288" y="223594"/>
+            <a:ext cx="10571998" cy="970450"/>
+          </a:xfrm>
+        </p:spPr>
         <p:txBody>
           <a:bodyPr/>
           <a:lstStyle/>
           <a:p>
             <a:r>
-              <a:rPr lang="es-ES" smtClean="0"/>
+              <a:rPr lang="es-ES" dirty="0" smtClean="0"/>
               <a:t>Haga clic para modificar el estilo de título del patrón</a:t>
             </a:r>
-            <a:endParaRPr lang="en-GB"/>
+            <a:endParaRPr lang="en-GB" dirty="0"/>
           </a:p>
         </p:txBody>
       </p:sp>
@@ -3357,7 +3362,7 @@
             <a:fld id="{D57F1E4F-1CFF-5643-939E-217C01CDF565}" type="slidenum">
               <a:rPr lang="en-US" dirty="0"/>
               <a:pPr/>
-              <a:t>‹Nº›</a:t>
+              <a:t>‹#›</a:t>
             </a:fld>
             <a:endParaRPr lang="en-US" dirty="0"/>
           </a:p>
@@ -3472,7 +3477,7 @@
           <a:ln/>
           <a:extLst>
             <a:ext uri="{91240B29-F687-4f45-9708-019B960494DF}">
-              <a14:hiddenLine xmlns="" xmlns:a14="http://schemas.microsoft.com/office/drawing/2010/main" w="9525">
+              <a14:hiddenLine xmlns:a14="http://schemas.microsoft.com/office/drawing/2010/main" xmlns="" w="9525">
                 <a:solidFill>
                   <a:srgbClr val="000000"/>
                 </a:solidFill>
@@ -3699,7 +3704,7 @@
             <a:fld id="{D57F1E4F-1CFF-5643-939E-217C01CDF565}" type="slidenum">
               <a:rPr lang="en-US" dirty="0"/>
               <a:pPr/>
-              <a:t>‹Nº›</a:t>
+              <a:t>‹#›</a:t>
             </a:fld>
             <a:endParaRPr lang="en-US" dirty="0"/>
           </a:p>
@@ -3814,7 +3819,7 @@
           <a:ln/>
           <a:extLst>
             <a:ext uri="{91240B29-F687-4f45-9708-019B960494DF}">
-              <a14:hiddenLine xmlns="" xmlns:a14="http://schemas.microsoft.com/office/drawing/2010/main" w="9525">
+              <a14:hiddenLine xmlns:a14="http://schemas.microsoft.com/office/drawing/2010/main" xmlns="" w="9525">
                 <a:solidFill>
                   <a:srgbClr val="000000"/>
                 </a:solidFill>
@@ -4179,7 +4184,7 @@
             <a:fld id="{D57F1E4F-1CFF-5643-939E-217C01CDF565}" type="slidenum">
               <a:rPr lang="en-US" dirty="0"/>
               <a:pPr/>
-              <a:t>‹Nº›</a:t>
+              <a:t>‹#›</a:t>
             </a:fld>
             <a:endParaRPr lang="en-US" dirty="0"/>
           </a:p>
@@ -4287,7 +4292,7 @@
           <a:ln/>
           <a:extLst>
             <a:ext uri="{91240B29-F687-4f45-9708-019B960494DF}">
-              <a14:hiddenLine xmlns="" xmlns:a14="http://schemas.microsoft.com/office/drawing/2010/main" w="9525">
+              <a14:hiddenLine xmlns:a14="http://schemas.microsoft.com/office/drawing/2010/main" xmlns="" w="9525">
                 <a:solidFill>
                   <a:srgbClr val="000000"/>
                 </a:solidFill>
@@ -4396,7 +4401,7 @@
             <a:fld id="{D57F1E4F-1CFF-5643-939E-217C01CDF565}" type="slidenum">
               <a:rPr lang="en-US" dirty="0"/>
               <a:pPr/>
-              <a:t>‹Nº›</a:t>
+              <a:t>‹#›</a:t>
             </a:fld>
             <a:endParaRPr lang="en-US" dirty="0"/>
           </a:p>
@@ -4494,7 +4499,7 @@
             <a:fld id="{D57F1E4F-1CFF-5643-939E-217C01CDF565}" type="slidenum">
               <a:rPr lang="en-US" dirty="0"/>
               <a:pPr/>
-              <a:t>‹Nº›</a:t>
+              <a:t>‹#›</a:t>
             </a:fld>
             <a:endParaRPr lang="en-US" dirty="0"/>
           </a:p>
@@ -4722,7 +4727,7 @@
           <a:ln/>
           <a:extLst>
             <a:ext uri="{91240B29-F687-4f45-9708-019B960494DF}">
-              <a14:hiddenLine xmlns="" xmlns:a14="http://schemas.microsoft.com/office/drawing/2010/main" w="9525">
+              <a14:hiddenLine xmlns:a14="http://schemas.microsoft.com/office/drawing/2010/main" xmlns="" w="9525">
                 <a:solidFill>
                   <a:srgbClr val="000000"/>
                 </a:solidFill>
@@ -4964,7 +4969,7 @@
             <a:fld id="{D57F1E4F-1CFF-5643-939E-217C01CDF565}" type="slidenum">
               <a:rPr lang="en-US" dirty="0"/>
               <a:pPr/>
-              <a:t>‹Nº›</a:t>
+              <a:t>‹#›</a:t>
             </a:fld>
             <a:endParaRPr lang="en-US" dirty="0"/>
           </a:p>
@@ -5283,7 +5288,7 @@
             <a:fld id="{D57F1E4F-1CFF-5643-939E-217C01CDF565}" type="slidenum">
               <a:rPr lang="en-US" dirty="0"/>
               <a:pPr/>
-              <a:t>‹Nº›</a:t>
+              <a:t>‹#›</a:t>
             </a:fld>
             <a:endParaRPr lang="en-US" dirty="0"/>
           </a:p>
@@ -5302,7 +5307,7 @@
   <p:cSld>
     <p:bg>
       <p:bgRef idx="1001">
-        <a:schemeClr val="bg2"/>
+        <a:schemeClr val="bg1"/>
       </p:bgRef>
     </p:bg>
     <p:spTree>
@@ -5536,7 +5541,7 @@
             <a:fld id="{D57F1E4F-1CFF-5643-939E-217C01CDF565}" type="slidenum">
               <a:rPr lang="en-US" dirty="0"/>
               <a:pPr/>
-              <a:t>‹Nº›</a:t>
+              <a:t>‹#›</a:t>
             </a:fld>
             <a:endParaRPr lang="en-US" dirty="0"/>
           </a:p>
@@ -5544,7 +5549,7 @@
       </p:sp>
     </p:spTree>
   </p:cSld>
-  <p:clrMap bg1="dk1" tx1="lt1" bg2="dk2" tx2="lt2" accent1="accent1" accent2="accent2" accent3="accent3" accent4="accent4" accent5="accent5" accent6="accent6" hlink="hlink" folHlink="folHlink"/>
+  <p:clrMap bg1="lt1" tx1="dk1" bg2="lt2" tx2="dk2" accent1="accent1" accent2="accent2" accent3="accent3" accent4="accent4" accent5="accent5" accent6="accent6" hlink="hlink" folHlink="folHlink"/>
   <p:sldLayoutIdLst>
     <p:sldLayoutId id="2147483649" r:id="rId1"/>
     <p:sldLayoutId id="2147483650" r:id="rId2"/>
@@ -6001,7 +6006,15 @@
           <a:p>
             <a:r>
               <a:rPr lang="es-ES" dirty="0" smtClean="0"/>
-              <a:t>Eva María Urbano González, Pol Fontanes Molina y Boyan </a:t>
+              <a:t>Eva María Urbano González, Pol Fontanes Molina </a:t>
+            </a:r>
+            <a:r>
+              <a:rPr lang="es-ES" dirty="0" smtClean="0"/>
+              <a:t>i </a:t>
+            </a:r>
+            <a:r>
+              <a:rPr lang="es-ES" dirty="0" smtClean="0"/>
+              <a:t>Boyan </a:t>
             </a:r>
             <a:r>
               <a:rPr lang="es-ES" dirty="0" err="1" smtClean="0"/>
@@ -6050,12 +6063,12 @@
       </p:grpSpPr>
       <p:sp>
         <p:nvSpPr>
-          <p:cNvPr id="2" name="Marcador de contenido 1"/>
-          <p:cNvSpPr>
-            <a:spLocks noGrp="1"/>
-          </p:cNvSpPr>
-          <p:nvPr>
-            <p:ph idx="1"/>
+          <p:cNvPr id="2" name="Title 1"/>
+          <p:cNvSpPr>
+            <a:spLocks noGrp="1"/>
+          </p:cNvSpPr>
+          <p:nvPr>
+            <p:ph type="title"/>
           </p:nvPr>
         </p:nvSpPr>
         <p:spPr/>
@@ -6064,24 +6077,62 @@
           <a:lstStyle/>
           <a:p>
             <a:r>
+              <a:rPr lang="es-ES" dirty="0" err="1" smtClean="0"/>
+              <a:t>Conclusions</a:t>
+            </a:r>
+            <a:endParaRPr lang="en-GB" dirty="0"/>
+          </a:p>
+        </p:txBody>
+      </p:sp>
+      <p:sp>
+        <p:nvSpPr>
+          <p:cNvPr id="3" name="Text Placeholder 2"/>
+          <p:cNvSpPr>
+            <a:spLocks noGrp="1"/>
+          </p:cNvSpPr>
+          <p:nvPr>
+            <p:ph type="body" idx="1"/>
+          </p:nvPr>
+        </p:nvSpPr>
+        <p:spPr/>
+        <p:txBody>
+          <a:bodyPr/>
+          <a:lstStyle/>
+          <a:p>
+            <a:r>
+              <a:rPr lang="es-ES" dirty="0" err="1" smtClean="0"/>
+              <a:t>Valoració</a:t>
+            </a:r>
+            <a:r>
               <a:rPr lang="es-ES" dirty="0" smtClean="0"/>
-              <a:t>VAYA </a:t>
-            </a:r>
-            <a:r>
-              <a:rPr lang="es-ES" dirty="0" err="1" smtClean="0"/>
-              <a:t>VAYA</a:t>
-            </a:r>
-            <a:r>
-              <a:rPr lang="es-ES" smtClean="0"/>
-              <a:t> </a:t>
-            </a:r>
+              <a:t> personal</a:t>
+            </a:r>
+            <a:endParaRPr lang="en-GB" dirty="0"/>
+          </a:p>
+        </p:txBody>
+      </p:sp>
+      <p:sp>
+        <p:nvSpPr>
+          <p:cNvPr id="4" name="Text Placeholder 3"/>
+          <p:cNvSpPr>
+            <a:spLocks noGrp="1"/>
+          </p:cNvSpPr>
+          <p:nvPr>
+            <p:ph type="body" sz="quarter" idx="16"/>
+          </p:nvPr>
+        </p:nvSpPr>
+        <p:spPr/>
+        <p:txBody>
+          <a:bodyPr/>
+          <a:lstStyle/>
+          <a:p>
             <a:endParaRPr lang="en-GB"/>
           </a:p>
         </p:txBody>
       </p:sp>
       <p:sp>
         <p:nvSpPr>
-          <p:cNvPr id="3" name="Marcador de número de diapositiva 2"/>
+          <p:cNvPr id="5" name="Slide Number Placeholder 4"/>
           <p:cNvSpPr>
             <a:spLocks noGrp="1"/>
           </p:cNvSpPr>
@@ -6099,37 +6150,59 @@
               <a:pPr/>
               <a:t>10</a:t>
             </a:fld>
+            <a:r>
+              <a:rPr lang="en-US" dirty="0" smtClean="0"/>
+              <a:t> / 10</a:t>
+            </a:r>
             <a:endParaRPr lang="en-US" dirty="0"/>
           </a:p>
         </p:txBody>
       </p:sp>
-      <p:sp>
-        <p:nvSpPr>
-          <p:cNvPr id="4" name="Título 3"/>
-          <p:cNvSpPr>
-            <a:spLocks noGrp="1"/>
-          </p:cNvSpPr>
-          <p:nvPr>
-            <p:ph type="title"/>
-          </p:nvPr>
-        </p:nvSpPr>
-        <p:spPr/>
-        <p:txBody>
-          <a:bodyPr/>
-          <a:lstStyle/>
-          <a:p>
-            <a:r>
-              <a:rPr lang="es-ES" dirty="0" err="1" smtClean="0"/>
-              <a:t>Conclusions</a:t>
-            </a:r>
-            <a:endParaRPr lang="en-GB" dirty="0"/>
-          </a:p>
-        </p:txBody>
-      </p:sp>
+      <p:pic>
+        <p:nvPicPr>
+          <p:cNvPr id="6" name="Picture 2" descr="Resultado de imagen de conclusions"/>
+          <p:cNvPicPr>
+            <a:picLocks noChangeAspect="1" noChangeArrowheads="1"/>
+          </p:cNvPicPr>
+          <p:nvPr/>
+        </p:nvPicPr>
+        <p:blipFill>
+          <a:blip r:embed="rId2">
+            <a:extLst>
+              <a:ext uri="{28A0092B-C50C-407E-A947-70E740481C1C}">
+                <a14:useLocalDpi xmlns:a14="http://schemas.microsoft.com/office/drawing/2010/main" val="0"/>
+              </a:ext>
+            </a:extLst>
+          </a:blip>
+          <a:srcRect/>
+          <a:stretch>
+            <a:fillRect/>
+          </a:stretch>
+        </p:blipFill>
+        <p:spPr bwMode="auto">
+          <a:xfrm>
+            <a:off x="7173532" y="946022"/>
+            <a:ext cx="5018468" cy="4210899"/>
+          </a:xfrm>
+          <a:prstGeom prst="rect">
+            <a:avLst/>
+          </a:prstGeom>
+          <a:noFill/>
+          <a:extLst>
+            <a:ext uri="{909E8E84-426E-40DD-AFC4-6F175D3DCCD1}">
+              <a14:hiddenFill xmlns:a14="http://schemas.microsoft.com/office/drawing/2010/main">
+                <a:solidFill>
+                  <a:srgbClr val="FFFFFF"/>
+                </a:solidFill>
+              </a14:hiddenFill>
+            </a:ext>
+          </a:extLst>
+        </p:spPr>
+      </p:pic>
     </p:spTree>
     <p:extLst>
       <p:ext uri="{BB962C8B-B14F-4D97-AF65-F5344CB8AC3E}">
-        <p14:creationId xmlns:p14="http://schemas.microsoft.com/office/powerpoint/2010/main" val="3967657403"/>
+        <p14:creationId xmlns:p14="http://schemas.microsoft.com/office/powerpoint/2010/main" val="1111009915"/>
       </p:ext>
     </p:extLst>
   </p:cSld>
@@ -6163,8 +6236,8 @@
           <a:chExt cx="0" cy="0"/>
         </a:xfrm>
       </p:grpSpPr>
-      <mc:AlternateContent xmlns:mc="http://schemas.openxmlformats.org/markup-compatibility/2006" xmlns:a14="http://schemas.microsoft.com/office/drawing/2010/main">
-        <mc:Choice Requires="a14">
+      <mc:AlternateContent xmlns:mc="http://schemas.openxmlformats.org/markup-compatibility/2006">
+        <mc:Choice xmlns:a14="http://schemas.microsoft.com/office/drawing/2010/main" Requires="a14">
           <p:sp>
             <p:nvSpPr>
               <p:cNvPr id="2" name="Marcador de contenido 1"/>
@@ -6175,7 +6248,12 @@
                 <p:ph idx="1"/>
               </p:nvPr>
             </p:nvSpPr>
-            <p:spPr/>
+            <p:spPr>
+              <a:xfrm>
+                <a:off x="801288" y="1871996"/>
+                <a:ext cx="10554574" cy="3636511"/>
+              </a:xfrm>
+            </p:spPr>
             <p:txBody>
               <a:bodyPr anchor="t"/>
               <a:lstStyle/>
@@ -6364,7 +6442,7 @@
             </p:txBody>
           </p:sp>
         </mc:Choice>
-        <mc:Fallback xmlns="">
+        <mc:Fallback>
           <p:sp>
             <p:nvSpPr>
               <p:cNvPr id="2" name="Marcador de contenido 1"/>
@@ -6376,6 +6454,10 @@
               </p:nvPr>
             </p:nvSpPr>
             <p:spPr>
+              <a:xfrm>
+                <a:off x="801288" y="1871996"/>
+                <a:ext cx="10554574" cy="3636511"/>
+              </a:xfrm>
               <a:blipFill rotWithShape="0">
                 <a:blip r:embed="rId2"/>
                 <a:stretch>
@@ -6432,7 +6514,12 @@
             <p:ph type="title"/>
           </p:nvPr>
         </p:nvSpPr>
-        <p:spPr/>
+        <p:spPr>
+          <a:xfrm>
+            <a:off x="801288" y="32630"/>
+            <a:ext cx="10571998" cy="970450"/>
+          </a:xfrm>
+        </p:spPr>
         <p:txBody>
           <a:bodyPr/>
           <a:lstStyle/>
@@ -6479,8 +6566,8 @@
         </p:blipFill>
         <p:spPr>
           <a:xfrm>
-            <a:off x="3281361" y="3690252"/>
-            <a:ext cx="5629275" cy="2600325"/>
+            <a:off x="2940642" y="3322749"/>
+            <a:ext cx="6201813" cy="2864797"/>
           </a:xfrm>
           <a:prstGeom prst="rect">
             <a:avLst/>
@@ -6609,12 +6696,18 @@
         </p:blipFill>
         <p:spPr>
           <a:xfrm>
-            <a:off x="410755" y="2736387"/>
+            <a:off x="629696" y="2166517"/>
             <a:ext cx="5178676" cy="3832086"/>
           </a:xfrm>
           <a:prstGeom prst="rect">
             <a:avLst/>
           </a:prstGeom>
+          <a:ln>
+            <a:noFill/>
+          </a:ln>
+          <a:effectLst>
+            <a:softEdge rad="112500"/>
+          </a:effectLst>
         </p:spPr>
       </p:pic>
       <p:pic>
@@ -6639,12 +6732,18 @@
         </p:blipFill>
         <p:spPr>
           <a:xfrm>
-            <a:off x="6516710" y="2093058"/>
+            <a:off x="6413679" y="2093058"/>
             <a:ext cx="5364233" cy="3979004"/>
           </a:xfrm>
           <a:prstGeom prst="rect">
             <a:avLst/>
           </a:prstGeom>
+          <a:ln>
+            <a:noFill/>
+          </a:ln>
+          <a:effectLst>
+            <a:softEdge rad="112500"/>
+          </a:effectLst>
         </p:spPr>
       </p:pic>
     </p:spTree>
@@ -6686,7 +6785,7 @@
       </p:grpSpPr>
       <p:sp>
         <p:nvSpPr>
-          <p:cNvPr id="3" name="Marcador de número de diapositiva 2"/>
+          <p:cNvPr id="2" name="Slide Number Placeholder 1"/>
           <p:cNvSpPr>
             <a:spLocks noGrp="1"/>
           </p:cNvSpPr>
@@ -6694,7 +6793,12 @@
             <p:ph type="sldNum" sz="quarter" idx="12"/>
           </p:nvPr>
         </p:nvSpPr>
-        <p:spPr/>
+        <p:spPr>
+          <a:xfrm>
+            <a:off x="10794241" y="5928766"/>
+            <a:ext cx="1062155" cy="490599"/>
+          </a:xfrm>
+        </p:spPr>
         <p:txBody>
           <a:bodyPr/>
           <a:lstStyle/>
@@ -6704,79 +6808,17 @@
               <a:pPr/>
               <a:t>4</a:t>
             </a:fld>
+            <a:r>
+              <a:rPr lang="en-US" dirty="0" smtClean="0"/>
+              <a:t> / 10</a:t>
+            </a:r>
             <a:endParaRPr lang="en-US" dirty="0"/>
-          </a:p>
-        </p:txBody>
-      </p:sp>
-      <p:sp>
-        <p:nvSpPr>
-          <p:cNvPr id="4" name="Título 3"/>
-          <p:cNvSpPr>
-            <a:spLocks noGrp="1"/>
-          </p:cNvSpPr>
-          <p:nvPr>
-            <p:ph type="title"/>
-          </p:nvPr>
-        </p:nvSpPr>
-        <p:spPr/>
-        <p:txBody>
-          <a:bodyPr/>
-          <a:lstStyle/>
-          <a:p>
-            <a:r>
-              <a:rPr lang="es-ES" dirty="0" err="1" smtClean="0"/>
-              <a:t>Elecció</a:t>
-            </a:r>
-            <a:r>
-              <a:rPr lang="es-ES" dirty="0" smtClean="0"/>
-              <a:t> </a:t>
-            </a:r>
-            <a:r>
-              <a:rPr lang="es-ES" dirty="0" err="1" smtClean="0"/>
-              <a:t>paràmetres</a:t>
-            </a:r>
-            <a:r>
-              <a:rPr lang="es-ES" dirty="0" smtClean="0"/>
-              <a:t> per un motor </a:t>
-            </a:r>
-            <a:r>
-              <a:rPr lang="es-ES" dirty="0" err="1" smtClean="0"/>
-              <a:t>òptim</a:t>
-            </a:r>
-            <a:endParaRPr lang="en-GB" dirty="0"/>
-          </a:p>
-        </p:txBody>
-      </p:sp>
-      <p:sp>
-        <p:nvSpPr>
-          <p:cNvPr id="6" name="Content Placeholder 5"/>
-          <p:cNvSpPr>
-            <a:spLocks noGrp="1"/>
-          </p:cNvSpPr>
-          <p:nvPr>
-            <p:ph idx="1"/>
-          </p:nvPr>
-        </p:nvSpPr>
-        <p:spPr/>
-        <p:txBody>
-          <a:bodyPr/>
-          <a:lstStyle/>
-          <a:p>
-            <a:r>
-              <a:rPr lang="es-ES" dirty="0" smtClean="0"/>
-              <a:t>Diagrama </a:t>
-            </a:r>
-            <a:r>
-              <a:rPr lang="es-ES" dirty="0" err="1" smtClean="0"/>
-              <a:t>flow</a:t>
-            </a:r>
-            <a:endParaRPr lang="en-GB" dirty="0"/>
           </a:p>
         </p:txBody>
       </p:sp>
       <p:pic>
         <p:nvPicPr>
-          <p:cNvPr id="2" name="Imagen 1"/>
+          <p:cNvPr id="3" name="Imagen 1"/>
           <p:cNvPicPr>
             <a:picLocks noChangeAspect="1"/>
           </p:cNvPicPr>
@@ -6790,8 +6832,8 @@
         </p:blipFill>
         <p:spPr>
           <a:xfrm>
-            <a:off x="4690534" y="2045170"/>
-            <a:ext cx="2250198" cy="4693093"/>
+            <a:off x="3979572" y="145631"/>
+            <a:ext cx="3142445" cy="6553996"/>
           </a:xfrm>
           <a:prstGeom prst="rect">
             <a:avLst/>
@@ -6801,7 +6843,7 @@
     </p:spTree>
     <p:extLst>
       <p:ext uri="{BB962C8B-B14F-4D97-AF65-F5344CB8AC3E}">
-        <p14:creationId xmlns:p14="http://schemas.microsoft.com/office/powerpoint/2010/main" val="1383054741"/>
+        <p14:creationId xmlns:p14="http://schemas.microsoft.com/office/powerpoint/2010/main" val="2587808126"/>
       </p:ext>
     </p:extLst>
   </p:cSld>
@@ -6847,18 +6889,19 @@
                 <p:ph idx="1"/>
               </p:nvPr>
             </p:nvSpPr>
-            <p:spPr/>
+            <p:spPr>
+              <a:xfrm>
+                <a:off x="801288" y="1874557"/>
+                <a:ext cx="10554574" cy="3636511"/>
+              </a:xfrm>
+            </p:spPr>
             <p:txBody>
               <a:bodyPr/>
               <a:lstStyle/>
               <a:p>
                 <a:r>
                   <a:rPr lang="es-ES" dirty="0" smtClean="0"/>
-                  <a:t>Resultados para el motor </a:t>
-                </a:r>
-                <a:r>
-                  <a:rPr lang="es-ES" dirty="0" smtClean="0"/>
-                  <a:t>real: </a:t>
+                  <a:t>Resultados para el motor real: </a:t>
                 </a:r>
                 <a14:m>
                   <m:oMath xmlns:m="http://schemas.openxmlformats.org/officeDocument/2006/math">
@@ -6886,11 +6929,7 @@
                 </a14:m>
                 <a:r>
                   <a:rPr lang="es-ES" dirty="0" smtClean="0"/>
-                  <a:t>’s, Mach de </a:t>
-                </a:r>
-                <a:r>
-                  <a:rPr lang="es-ES" dirty="0" smtClean="0"/>
-                  <a:t>salida del primario i del secundario. Fuerza adimensional, flujos </a:t>
+                  <a:t>’s, Mach de salida del primario i del secundario. Fuerza adimensional, flujos </a:t>
                 </a:r>
                 <a:r>
                   <a:rPr lang="es-ES" dirty="0" err="1" smtClean="0"/>
@@ -6925,7 +6964,11 @@
               </p:nvPr>
             </p:nvSpPr>
             <p:spPr>
-              <a:blipFill>
+              <a:xfrm>
+                <a:off x="801288" y="1874557"/>
+                <a:ext cx="10554574" cy="3636511"/>
+              </a:xfrm>
+              <a:blipFill rotWithShape="0">
                 <a:blip r:embed="rId2"/>
                 <a:stretch>
                   <a:fillRect/>
@@ -7186,7 +7229,7 @@
         </p:nvSpPr>
         <p:spPr>
           <a:xfrm>
-            <a:off x="818712" y="2222287"/>
+            <a:off x="758119" y="1385160"/>
             <a:ext cx="10554574" cy="1348227"/>
           </a:xfrm>
         </p:spPr>
@@ -7289,7 +7332,7 @@
         </p:blipFill>
         <p:spPr>
           <a:xfrm>
-            <a:off x="618410" y="3760913"/>
+            <a:off x="758119" y="2924503"/>
             <a:ext cx="2743438" cy="2331922"/>
           </a:xfrm>
           <a:prstGeom prst="rect">
@@ -7313,7 +7356,7 @@
         </p:blipFill>
         <p:spPr>
           <a:xfrm>
-            <a:off x="3870842" y="3760913"/>
+            <a:off x="4041602" y="2921371"/>
             <a:ext cx="2743438" cy="2331922"/>
           </a:xfrm>
           <a:prstGeom prst="rect">
@@ -7329,7 +7372,7 @@
         </p:nvSpPr>
         <p:spPr>
           <a:xfrm>
-            <a:off x="609703" y="6092835"/>
+            <a:off x="812577" y="5316689"/>
             <a:ext cx="2637260" cy="369332"/>
           </a:xfrm>
           <a:prstGeom prst="rect">
@@ -7358,7 +7401,7 @@
         </p:nvSpPr>
         <p:spPr>
           <a:xfrm>
-            <a:off x="4449716" y="6092835"/>
+            <a:off x="4449716" y="5316689"/>
             <a:ext cx="1585690" cy="369332"/>
           </a:xfrm>
           <a:prstGeom prst="rect">
@@ -7395,7 +7438,7 @@
         </p:blipFill>
         <p:spPr>
           <a:xfrm>
-            <a:off x="7492510" y="3753292"/>
+            <a:off x="7325085" y="2924503"/>
             <a:ext cx="2972058" cy="2339543"/>
           </a:xfrm>
           <a:prstGeom prst="rect">
@@ -7413,7 +7456,7 @@
             </p:nvSpPr>
             <p:spPr>
               <a:xfrm>
-                <a:off x="7492510" y="6161187"/>
+                <a:off x="7825235" y="5455162"/>
                 <a:ext cx="1971758" cy="667747"/>
               </a:xfrm>
               <a:prstGeom prst="rect">
@@ -7426,6 +7469,7 @@
               </a:bodyPr>
               <a:lstStyle/>
               <a:p>
+                <a:pPr/>
                 <a14:m>
                   <m:oMathPara xmlns:m="http://schemas.openxmlformats.org/officeDocument/2006/math">
                     <m:oMathParaPr>
@@ -7513,16 +7557,16 @@
             </p:nvSpPr>
             <p:spPr>
               <a:xfrm>
-                <a:off x="7492510" y="6161187"/>
+                <a:off x="7825235" y="5455162"/>
                 <a:ext cx="1971758" cy="667747"/>
               </a:xfrm>
               <a:prstGeom prst="rect">
                 <a:avLst/>
               </a:prstGeom>
-              <a:blipFill>
+              <a:blipFill rotWithShape="0">
                 <a:blip r:embed="rId5"/>
                 <a:stretch>
-                  <a:fillRect r="-2469" b="-10092"/>
+                  <a:fillRect r="-2477" b="-10092"/>
                 </a:stretch>
               </a:blipFill>
             </p:spPr>
@@ -7590,7 +7634,7 @@
         </p:nvSpPr>
         <p:spPr>
           <a:xfrm>
-            <a:off x="818712" y="2222288"/>
+            <a:off x="638409" y="1372282"/>
             <a:ext cx="10554574" cy="1548524"/>
           </a:xfrm>
         </p:spPr>
@@ -7670,7 +7714,7 @@
         </p:blipFill>
         <p:spPr>
           <a:xfrm>
-            <a:off x="2998789" y="3527385"/>
+            <a:off x="3166215" y="2890486"/>
             <a:ext cx="5166808" cy="3025402"/>
           </a:xfrm>
           <a:prstGeom prst="rect">
@@ -7725,12 +7769,193 @@
             <p:ph idx="1"/>
           </p:nvPr>
         </p:nvSpPr>
-        <p:spPr/>
-        <p:txBody>
-          <a:bodyPr/>
+        <p:spPr>
+          <a:xfrm>
+            <a:off x="1123260" y="2106378"/>
+            <a:ext cx="5818453" cy="3636511"/>
+          </a:xfrm>
+        </p:spPr>
+        <p:txBody>
+          <a:bodyPr anchor="t"/>
           <a:lstStyle/>
           <a:p>
-            <a:endParaRPr lang="en-GB"/>
+            <a:r>
+              <a:rPr lang="es-ES" dirty="0" err="1" smtClean="0"/>
+              <a:t>Mixer</a:t>
+            </a:r>
+            <a:r>
+              <a:rPr lang="es-ES" dirty="0" smtClean="0"/>
+              <a:t>: </a:t>
+            </a:r>
+            <a:r>
+              <a:rPr lang="es-ES" dirty="0" err="1" smtClean="0"/>
+              <a:t>Força</a:t>
+            </a:r>
+            <a:r>
+              <a:rPr lang="es-ES" dirty="0" smtClean="0"/>
+              <a:t> adimensional </a:t>
+            </a:r>
+            <a:r>
+              <a:rPr lang="es-ES" dirty="0" err="1" smtClean="0"/>
+              <a:t>més</a:t>
+            </a:r>
+            <a:r>
+              <a:rPr lang="es-ES" dirty="0" smtClean="0"/>
+              <a:t> </a:t>
+            </a:r>
+            <a:r>
+              <a:rPr lang="es-ES" dirty="0" err="1" smtClean="0"/>
+              <a:t>petita</a:t>
+            </a:r>
+            <a:r>
+              <a:rPr lang="es-ES" dirty="0" smtClean="0"/>
+              <a:t>. Motor </a:t>
+            </a:r>
+            <a:r>
+              <a:rPr lang="es-ES" dirty="0" err="1" smtClean="0"/>
+              <a:t>més</a:t>
+            </a:r>
+            <a:r>
+              <a:rPr lang="es-ES" dirty="0" smtClean="0"/>
+              <a:t> gran. </a:t>
+            </a:r>
+          </a:p>
+          <a:p>
+            <a:r>
+              <a:rPr lang="es-ES" dirty="0" err="1" smtClean="0"/>
+              <a:t>Propeller</a:t>
+            </a:r>
+            <a:r>
+              <a:rPr lang="es-ES" dirty="0"/>
+              <a:t> </a:t>
+            </a:r>
+            <a:r>
+              <a:rPr lang="es-ES" dirty="0" smtClean="0"/>
+              <a:t>No proporciona la </a:t>
+            </a:r>
+            <a:r>
+              <a:rPr lang="es-ES" dirty="0" err="1" smtClean="0"/>
+              <a:t>majoria</a:t>
+            </a:r>
+            <a:r>
+              <a:rPr lang="es-ES" dirty="0" smtClean="0"/>
+              <a:t> de </a:t>
+            </a:r>
+            <a:r>
+              <a:rPr lang="es-ES" dirty="0" err="1" smtClean="0"/>
+              <a:t>l’empenta</a:t>
+            </a:r>
+            <a:r>
+              <a:rPr lang="es-ES" dirty="0" smtClean="0"/>
+              <a:t> i </a:t>
+            </a:r>
+            <a:r>
+              <a:rPr lang="es-ES" dirty="0" err="1" smtClean="0"/>
+              <a:t>podria</a:t>
+            </a:r>
+            <a:r>
+              <a:rPr lang="es-ES" dirty="0" smtClean="0"/>
+              <a:t> </a:t>
+            </a:r>
+            <a:r>
+              <a:rPr lang="es-ES" dirty="0" err="1" smtClean="0"/>
+              <a:t>tenir</a:t>
+            </a:r>
+            <a:r>
+              <a:rPr lang="es-ES" dirty="0" smtClean="0"/>
+              <a:t> problemas de flux </a:t>
+            </a:r>
+            <a:r>
+              <a:rPr lang="es-ES" dirty="0" err="1" smtClean="0"/>
+              <a:t>supersònic</a:t>
+            </a:r>
+            <a:r>
+              <a:rPr lang="es-ES" dirty="0" smtClean="0"/>
+              <a:t>.</a:t>
+            </a:r>
+          </a:p>
+          <a:p>
+            <a:r>
+              <a:rPr lang="es-ES" dirty="0" err="1" smtClean="0"/>
+              <a:t>Afterburner</a:t>
+            </a:r>
+            <a:r>
+              <a:rPr lang="es-ES" dirty="0" smtClean="0"/>
+              <a:t>: </a:t>
+            </a:r>
+            <a:r>
+              <a:rPr lang="es-ES" dirty="0" err="1" smtClean="0"/>
+              <a:t>Força</a:t>
+            </a:r>
+            <a:r>
+              <a:rPr lang="es-ES" dirty="0" smtClean="0"/>
+              <a:t> adimensional </a:t>
+            </a:r>
+            <a:r>
+              <a:rPr lang="es-ES" dirty="0" err="1" smtClean="0"/>
+              <a:t>més</a:t>
+            </a:r>
+            <a:r>
+              <a:rPr lang="es-ES" dirty="0" smtClean="0"/>
+              <a:t> gran. Motor </a:t>
+            </a:r>
+            <a:r>
+              <a:rPr lang="es-ES" dirty="0" err="1" smtClean="0"/>
+              <a:t>més</a:t>
+            </a:r>
+            <a:r>
+              <a:rPr lang="es-ES" dirty="0" smtClean="0"/>
+              <a:t> </a:t>
+            </a:r>
+            <a:r>
+              <a:rPr lang="es-ES" dirty="0" err="1" smtClean="0"/>
+              <a:t>petit</a:t>
+            </a:r>
+            <a:r>
+              <a:rPr lang="es-ES" dirty="0" smtClean="0"/>
+              <a:t> </a:t>
+            </a:r>
+            <a:r>
+              <a:rPr lang="es-ES" dirty="0" err="1" smtClean="0"/>
+              <a:t>però</a:t>
+            </a:r>
+            <a:r>
+              <a:rPr lang="es-ES" dirty="0" smtClean="0"/>
+              <a:t> </a:t>
+            </a:r>
+            <a:r>
+              <a:rPr lang="es-ES" dirty="0" err="1" smtClean="0"/>
+              <a:t>més</a:t>
+            </a:r>
+            <a:r>
+              <a:rPr lang="es-ES" dirty="0" smtClean="0"/>
+              <a:t>  </a:t>
+            </a:r>
+            <a:r>
+              <a:rPr lang="es-ES" dirty="0" err="1" smtClean="0"/>
+              <a:t>llarg</a:t>
+            </a:r>
+            <a:r>
+              <a:rPr lang="es-ES" dirty="0" smtClean="0"/>
+              <a:t> i </a:t>
+            </a:r>
+            <a:r>
+              <a:rPr lang="es-ES" dirty="0" err="1" smtClean="0"/>
+              <a:t>més</a:t>
+            </a:r>
+            <a:r>
+              <a:rPr lang="es-ES" dirty="0" smtClean="0"/>
+              <a:t> </a:t>
+            </a:r>
+            <a:r>
+              <a:rPr lang="es-ES" dirty="0" err="1" smtClean="0"/>
+              <a:t>consum</a:t>
+            </a:r>
+            <a:r>
+              <a:rPr lang="es-ES" dirty="0" smtClean="0"/>
+              <a:t>.</a:t>
+            </a:r>
+            <a:endParaRPr lang="en-GB" dirty="0"/>
           </a:p>
         </p:txBody>
       </p:sp>
@@ -7781,6 +8006,36 @@
           </a:p>
         </p:txBody>
       </p:sp>
+      <p:pic>
+        <p:nvPicPr>
+          <p:cNvPr id="5" name="Picture 4"/>
+          <p:cNvPicPr>
+            <a:picLocks noChangeAspect="1"/>
+          </p:cNvPicPr>
+          <p:nvPr/>
+        </p:nvPicPr>
+        <p:blipFill>
+          <a:blip r:embed="rId2">
+            <a:extLst>
+              <a:ext uri="{28A0092B-C50C-407E-A947-70E740481C1C}">
+                <a14:useLocalDpi xmlns:a14="http://schemas.microsoft.com/office/drawing/2010/main" val="0"/>
+              </a:ext>
+            </a:extLst>
+          </a:blip>
+          <a:stretch>
+            <a:fillRect/>
+          </a:stretch>
+        </p:blipFill>
+        <p:spPr>
+          <a:xfrm>
+            <a:off x="8097056" y="1878566"/>
+            <a:ext cx="2581275" cy="3352800"/>
+          </a:xfrm>
+          <a:prstGeom prst="rect">
+            <a:avLst/>
+          </a:prstGeom>
+        </p:spPr>
+      </p:pic>
     </p:spTree>
     <p:extLst>
       <p:ext uri="{BB962C8B-B14F-4D97-AF65-F5344CB8AC3E}">
